--- a/models.pptx
+++ b/models.pptx
@@ -6,6 +6,8 @@
   </p:sldMasterIdLst>
   <p:sldIdLst>
     <p:sldId id="256" r:id="rId2"/>
+    <p:sldId id="259" r:id="rId3"/>
+    <p:sldId id="258" r:id="rId4"/>
   </p:sldIdLst>
   <p:sldSz cx="12192000" cy="6858000"/>
   <p:notesSz cx="6858000" cy="9144000"/>
@@ -104,6 +106,11 @@
       </a:defRPr>
     </a:lvl9pPr>
   </p:defaultTextStyle>
+  <p:extLst>
+    <p:ext uri="{EFAFB233-063F-42B5-8137-9DF3F51BA10A}">
+      <p15:sldGuideLst xmlns:p15="http://schemas.microsoft.com/office/powerpoint/2012/main"/>
+    </p:ext>
+  </p:extLst>
 </p:presentation>
 </file>
 
@@ -254,7 +261,7 @@
           <a:p>
             <a:fld id="{1640627F-FB96-4756-840B-710C2C79D46E}" type="datetimeFigureOut">
               <a:rPr lang="ko-KR" altLang="en-US" smtClean="0"/>
-              <a:t>2020-12-15</a:t>
+              <a:t>2020-12-16</a:t>
             </a:fld>
             <a:endParaRPr lang="ko-KR" altLang="en-US"/>
           </a:p>
@@ -452,7 +459,7 @@
           <a:p>
             <a:fld id="{1640627F-FB96-4756-840B-710C2C79D46E}" type="datetimeFigureOut">
               <a:rPr lang="ko-KR" altLang="en-US" smtClean="0"/>
-              <a:t>2020-12-15</a:t>
+              <a:t>2020-12-16</a:t>
             </a:fld>
             <a:endParaRPr lang="ko-KR" altLang="en-US"/>
           </a:p>
@@ -660,7 +667,7 @@
           <a:p>
             <a:fld id="{1640627F-FB96-4756-840B-710C2C79D46E}" type="datetimeFigureOut">
               <a:rPr lang="ko-KR" altLang="en-US" smtClean="0"/>
-              <a:t>2020-12-15</a:t>
+              <a:t>2020-12-16</a:t>
             </a:fld>
             <a:endParaRPr lang="ko-KR" altLang="en-US"/>
           </a:p>
@@ -858,7 +865,7 @@
           <a:p>
             <a:fld id="{1640627F-FB96-4756-840B-710C2C79D46E}" type="datetimeFigureOut">
               <a:rPr lang="ko-KR" altLang="en-US" smtClean="0"/>
-              <a:t>2020-12-15</a:t>
+              <a:t>2020-12-16</a:t>
             </a:fld>
             <a:endParaRPr lang="ko-KR" altLang="en-US"/>
           </a:p>
@@ -1133,7 +1140,7 @@
           <a:p>
             <a:fld id="{1640627F-FB96-4756-840B-710C2C79D46E}" type="datetimeFigureOut">
               <a:rPr lang="ko-KR" altLang="en-US" smtClean="0"/>
-              <a:t>2020-12-15</a:t>
+              <a:t>2020-12-16</a:t>
             </a:fld>
             <a:endParaRPr lang="ko-KR" altLang="en-US"/>
           </a:p>
@@ -1398,7 +1405,7 @@
           <a:p>
             <a:fld id="{1640627F-FB96-4756-840B-710C2C79D46E}" type="datetimeFigureOut">
               <a:rPr lang="ko-KR" altLang="en-US" smtClean="0"/>
-              <a:t>2020-12-15</a:t>
+              <a:t>2020-12-16</a:t>
             </a:fld>
             <a:endParaRPr lang="ko-KR" altLang="en-US"/>
           </a:p>
@@ -1810,7 +1817,7 @@
           <a:p>
             <a:fld id="{1640627F-FB96-4756-840B-710C2C79D46E}" type="datetimeFigureOut">
               <a:rPr lang="ko-KR" altLang="en-US" smtClean="0"/>
-              <a:t>2020-12-15</a:t>
+              <a:t>2020-12-16</a:t>
             </a:fld>
             <a:endParaRPr lang="ko-KR" altLang="en-US"/>
           </a:p>
@@ -1951,7 +1958,7 @@
           <a:p>
             <a:fld id="{1640627F-FB96-4756-840B-710C2C79D46E}" type="datetimeFigureOut">
               <a:rPr lang="ko-KR" altLang="en-US" smtClean="0"/>
-              <a:t>2020-12-15</a:t>
+              <a:t>2020-12-16</a:t>
             </a:fld>
             <a:endParaRPr lang="ko-KR" altLang="en-US"/>
           </a:p>
@@ -2064,7 +2071,7 @@
           <a:p>
             <a:fld id="{1640627F-FB96-4756-840B-710C2C79D46E}" type="datetimeFigureOut">
               <a:rPr lang="ko-KR" altLang="en-US" smtClean="0"/>
-              <a:t>2020-12-15</a:t>
+              <a:t>2020-12-16</a:t>
             </a:fld>
             <a:endParaRPr lang="ko-KR" altLang="en-US"/>
           </a:p>
@@ -2375,7 +2382,7 @@
           <a:p>
             <a:fld id="{1640627F-FB96-4756-840B-710C2C79D46E}" type="datetimeFigureOut">
               <a:rPr lang="ko-KR" altLang="en-US" smtClean="0"/>
-              <a:t>2020-12-15</a:t>
+              <a:t>2020-12-16</a:t>
             </a:fld>
             <a:endParaRPr lang="ko-KR" altLang="en-US"/>
           </a:p>
@@ -2663,7 +2670,7 @@
           <a:p>
             <a:fld id="{1640627F-FB96-4756-840B-710C2C79D46E}" type="datetimeFigureOut">
               <a:rPr lang="ko-KR" altLang="en-US" smtClean="0"/>
-              <a:t>2020-12-15</a:t>
+              <a:t>2020-12-16</a:t>
             </a:fld>
             <a:endParaRPr lang="ko-KR" altLang="en-US"/>
           </a:p>
@@ -2904,7 +2911,7 @@
           <a:p>
             <a:fld id="{1640627F-FB96-4756-840B-710C2C79D46E}" type="datetimeFigureOut">
               <a:rPr lang="ko-KR" altLang="en-US" smtClean="0"/>
-              <a:t>2020-12-15</a:t>
+              <a:t>2020-12-16</a:t>
             </a:fld>
             <a:endParaRPr lang="ko-KR" altLang="en-US"/>
           </a:p>
@@ -3335,7 +3342,7 @@
         </p:nvSpPr>
         <p:spPr>
           <a:xfrm>
-            <a:off x="2013283" y="2651145"/>
+            <a:off x="1935792" y="2671059"/>
             <a:ext cx="2486527" cy="850231"/>
           </a:xfrm>
           <a:prstGeom prst="roundRect">
@@ -3396,7 +3403,7 @@
         </p:nvSpPr>
         <p:spPr>
           <a:xfrm>
-            <a:off x="6689558" y="2578769"/>
+            <a:off x="7301878" y="2578769"/>
             <a:ext cx="2486527" cy="850231"/>
           </a:xfrm>
           <a:prstGeom prst="roundRect">
@@ -3460,7 +3467,7 @@
         </p:nvCxnSpPr>
         <p:spPr>
           <a:xfrm flipV="1">
-            <a:off x="3256546" y="3501376"/>
+            <a:off x="3179055" y="3521290"/>
             <a:ext cx="1" cy="729917"/>
           </a:xfrm>
           <a:prstGeom prst="straightConnector1">
@@ -3497,13 +3504,14 @@
           <p:cNvCxnSpPr>
             <a:cxnSpLocks/>
             <a:stCxn id="6" idx="0"/>
+            <a:endCxn id="31" idx="2"/>
           </p:cNvCxnSpPr>
           <p:nvPr/>
         </p:nvCxnSpPr>
         <p:spPr>
-          <a:xfrm flipH="1" flipV="1">
-            <a:off x="7932821" y="1921230"/>
-            <a:ext cx="1" cy="657539"/>
+          <a:xfrm flipV="1">
+            <a:off x="8545142" y="2001906"/>
+            <a:ext cx="12030" cy="576863"/>
           </a:xfrm>
           <a:prstGeom prst="straightConnector1">
             <a:avLst/>
@@ -3544,7 +3552,7 @@
         </p:nvCxnSpPr>
         <p:spPr>
           <a:xfrm flipV="1">
-            <a:off x="4499810" y="2450619"/>
+            <a:off x="4422319" y="2470533"/>
             <a:ext cx="946485" cy="625642"/>
           </a:xfrm>
           <a:prstGeom prst="bentConnector3">
@@ -3585,7 +3593,7 @@
             </p:nvSpPr>
             <p:spPr>
               <a:xfrm>
-                <a:off x="4487779" y="2714947"/>
+                <a:off x="4410288" y="2734861"/>
                 <a:ext cx="417094" cy="369332"/>
               </a:xfrm>
               <a:prstGeom prst="rect">
@@ -3599,6 +3607,7 @@
               </a:bodyPr>
               <a:lstStyle/>
               <a:p>
+                <a:pPr/>
                 <a14:m>
                   <m:oMathPara xmlns:m="http://schemas.openxmlformats.org/officeDocument/2006/math">
                     <m:oMathParaPr>
@@ -3636,7 +3645,7 @@
             </p:nvSpPr>
             <p:spPr>
               <a:xfrm>
-                <a:off x="4487779" y="2714947"/>
+                <a:off x="4410288" y="2734861"/>
                 <a:ext cx="417094" cy="369332"/>
               </a:xfrm>
               <a:prstGeom prst="rect">
@@ -3680,7 +3689,7 @@
             </p:nvSpPr>
             <p:spPr>
               <a:xfrm>
-                <a:off x="5446295" y="2265953"/>
+                <a:off x="5368804" y="2285867"/>
                 <a:ext cx="417094" cy="369332"/>
               </a:xfrm>
               <a:prstGeom prst="rect">
@@ -3694,37 +3703,19 @@
               </a:bodyPr>
               <a:lstStyle/>
               <a:p>
+                <a:pPr/>
                 <a14:m>
                   <m:oMathPara xmlns:m="http://schemas.openxmlformats.org/officeDocument/2006/math">
                     <m:oMathParaPr>
                       <m:jc m:val="centerGroup"/>
                     </m:oMathParaPr>
                     <m:oMath xmlns:m="http://schemas.openxmlformats.org/officeDocument/2006/math">
-                      <m:sSup>
-                        <m:sSupPr>
-                          <m:ctrlPr>
-                            <a:rPr lang="en-US" altLang="ko-KR" b="1" i="1" dirty="0" smtClean="0">
-                              <a:latin typeface="Cambria Math" panose="02040503050406030204" pitchFamily="18" charset="0"/>
-                            </a:rPr>
-                          </m:ctrlPr>
-                        </m:sSupPr>
-                        <m:e>
-                          <m:r>
-                            <a:rPr lang="en-US" altLang="ko-KR" b="1" i="1" dirty="0" smtClean="0">
-                              <a:latin typeface="Cambria Math" panose="02040503050406030204" pitchFamily="18" charset="0"/>
-                            </a:rPr>
-                            <m:t>𝑿</m:t>
-                          </m:r>
-                        </m:e>
-                        <m:sup>
-                          <m:r>
-                            <a:rPr lang="en-US" altLang="ko-KR" b="1" i="1" dirty="0" smtClean="0">
-                              <a:latin typeface="Cambria Math" panose="02040503050406030204" pitchFamily="18" charset="0"/>
-                            </a:rPr>
-                            <m:t>′</m:t>
-                          </m:r>
-                        </m:sup>
-                      </m:sSup>
+                      <m:r>
+                        <a:rPr lang="en-US" altLang="ko-KR" b="1" i="1" smtClean="0">
+                          <a:latin typeface="Cambria Math" panose="02040503050406030204" pitchFamily="18" charset="0"/>
+                        </a:rPr>
+                        <m:t>𝑿</m:t>
+                      </m:r>
                     </m:oMath>
                   </m:oMathPara>
                 </a14:m>
@@ -3750,7 +3741,7 @@
             </p:nvSpPr>
             <p:spPr>
               <a:xfrm>
-                <a:off x="5446295" y="2265953"/>
+                <a:off x="5368804" y="2285867"/>
                 <a:ext cx="417094" cy="369332"/>
               </a:xfrm>
               <a:prstGeom prst="rect">
@@ -3795,7 +3786,7 @@
         </p:nvCxnSpPr>
         <p:spPr>
           <a:xfrm>
-            <a:off x="4499810" y="3076261"/>
+            <a:off x="4422319" y="3096175"/>
             <a:ext cx="946485" cy="553452"/>
           </a:xfrm>
           <a:prstGeom prst="bentConnector3">
@@ -3836,7 +3827,7 @@
             </p:nvSpPr>
             <p:spPr>
               <a:xfrm>
-                <a:off x="5450305" y="3412961"/>
+                <a:off x="5372814" y="3432875"/>
                 <a:ext cx="417094" cy="369332"/>
               </a:xfrm>
               <a:prstGeom prst="rect">
@@ -3850,6 +3841,7 @@
               </a:bodyPr>
               <a:lstStyle/>
               <a:p>
+                <a:pPr/>
                 <a14:m>
                   <m:oMathPara xmlns:m="http://schemas.openxmlformats.org/officeDocument/2006/math">
                     <m:oMathParaPr>
@@ -3887,7 +3879,7 @@
             </p:nvSpPr>
             <p:spPr>
               <a:xfrm>
-                <a:off x="5450305" y="3412961"/>
+                <a:off x="5372814" y="3432875"/>
                 <a:ext cx="417094" cy="369332"/>
               </a:xfrm>
               <a:prstGeom prst="rect">
@@ -3933,8 +3925,8 @@
         </p:nvCxnSpPr>
         <p:spPr>
           <a:xfrm flipV="1">
-            <a:off x="5867399" y="3003885"/>
-            <a:ext cx="822159" cy="593742"/>
+            <a:off x="5789908" y="3003885"/>
+            <a:ext cx="1511970" cy="613656"/>
           </a:xfrm>
           <a:prstGeom prst="bentConnector3">
             <a:avLst/>
@@ -3976,8 +3968,8 @@
         </p:nvCxnSpPr>
         <p:spPr>
           <a:xfrm>
-            <a:off x="5863389" y="2450619"/>
-            <a:ext cx="826169" cy="553266"/>
+            <a:off x="5785898" y="2470533"/>
+            <a:ext cx="1515980" cy="533352"/>
           </a:xfrm>
           <a:prstGeom prst="bentConnector3">
             <a:avLst/>
@@ -4017,7 +4009,7 @@
             </p:nvSpPr>
             <p:spPr>
               <a:xfrm>
-                <a:off x="3047999" y="4231293"/>
+                <a:off x="2970508" y="4251207"/>
                 <a:ext cx="417094" cy="369332"/>
               </a:xfrm>
               <a:prstGeom prst="rect">
@@ -4031,6 +4023,7 @@
               </a:bodyPr>
               <a:lstStyle/>
               <a:p>
+                <a:pPr/>
                 <a14:m>
                   <m:oMathPara xmlns:m="http://schemas.openxmlformats.org/officeDocument/2006/math">
                     <m:oMathParaPr>
@@ -4068,7 +4061,7 @@
             </p:nvSpPr>
             <p:spPr>
               <a:xfrm>
-                <a:off x="3047999" y="4231293"/>
+                <a:off x="2970508" y="4251207"/>
                 <a:ext cx="417094" cy="369332"/>
               </a:xfrm>
               <a:prstGeom prst="rect">
@@ -4112,7 +4105,7 @@
             </p:nvSpPr>
             <p:spPr>
               <a:xfrm>
-                <a:off x="7724274" y="1551898"/>
+                <a:off x="8348625" y="1632574"/>
                 <a:ext cx="417094" cy="369332"/>
               </a:xfrm>
               <a:prstGeom prst="rect">
@@ -4126,6 +4119,7 @@
               </a:bodyPr>
               <a:lstStyle/>
               <a:p>
+                <a:pPr/>
                 <a14:m>
                   <m:oMathPara xmlns:m="http://schemas.openxmlformats.org/officeDocument/2006/math">
                     <m:oMathParaPr>
@@ -4147,6 +4141,2275 @@
           </p:sp>
         </mc:Choice>
         <mc:Fallback>
+          <p:sp>
+            <p:nvSpPr>
+              <p:cNvPr id="31" name="TextBox 30">
+                <a:extLst>
+                  <a:ext uri="{FF2B5EF4-FFF2-40B4-BE49-F238E27FC236}">
+                    <a16:creationId xmlns:a16="http://schemas.microsoft.com/office/drawing/2014/main" id="{E4E5090D-7B55-474B-B60D-3BFD2D2F78F8}"/>
+                  </a:ext>
+                </a:extLst>
+              </p:cNvPr>
+              <p:cNvSpPr txBox="1">
+                <a:spLocks noRot="1" noChangeAspect="1" noMove="1" noResize="1" noEditPoints="1" noAdjustHandles="1" noChangeArrowheads="1" noChangeShapeType="1" noTextEdit="1"/>
+              </p:cNvSpPr>
+              <p:nvPr/>
+            </p:nvSpPr>
+            <p:spPr>
+              <a:xfrm>
+                <a:off x="8348625" y="1632574"/>
+                <a:ext cx="417094" cy="369332"/>
+              </a:xfrm>
+              <a:prstGeom prst="rect">
+                <a:avLst/>
+              </a:prstGeom>
+              <a:blipFill>
+                <a:blip r:embed="rId6"/>
+                <a:stretch>
+                  <a:fillRect/>
+                </a:stretch>
+              </a:blipFill>
+            </p:spPr>
+            <p:txBody>
+              <a:bodyPr/>
+              <a:lstStyle/>
+              <a:p>
+                <a:r>
+                  <a:rPr lang="ko-KR" altLang="en-US">
+                    <a:noFill/>
+                  </a:rPr>
+                  <a:t> </a:t>
+                </a:r>
+              </a:p>
+            </p:txBody>
+          </p:sp>
+        </mc:Fallback>
+      </mc:AlternateContent>
+      <mc:AlternateContent xmlns:mc="http://schemas.openxmlformats.org/markup-compatibility/2006">
+        <mc:Choice xmlns:a14="http://schemas.microsoft.com/office/drawing/2010/main" Requires="a14">
+          <p:sp>
+            <p:nvSpPr>
+              <p:cNvPr id="3" name="TextBox 2">
+                <a:extLst>
+                  <a:ext uri="{FF2B5EF4-FFF2-40B4-BE49-F238E27FC236}">
+                    <a16:creationId xmlns:a16="http://schemas.microsoft.com/office/drawing/2014/main" id="{FE754024-2361-4C80-B93A-511E13AEBBDB}"/>
+                  </a:ext>
+                </a:extLst>
+              </p:cNvPr>
+              <p:cNvSpPr txBox="1"/>
+              <p:nvPr/>
+            </p:nvSpPr>
+            <p:spPr>
+              <a:xfrm>
+                <a:off x="3693531" y="2313898"/>
+                <a:ext cx="1162875" cy="374526"/>
+              </a:xfrm>
+              <a:prstGeom prst="rect">
+                <a:avLst/>
+              </a:prstGeom>
+              <a:noFill/>
+            </p:spPr>
+            <p:txBody>
+              <a:bodyPr wrap="square" rtlCol="0">
+                <a:spAutoFit/>
+              </a:bodyPr>
+              <a:lstStyle/>
+              <a:p>
+                <a:pPr/>
+                <a14:m>
+                  <m:oMathPara xmlns:m="http://schemas.openxmlformats.org/officeDocument/2006/math">
+                    <m:oMathParaPr>
+                      <m:jc m:val="centerGroup"/>
+                    </m:oMathParaPr>
+                    <m:oMath xmlns:m="http://schemas.openxmlformats.org/officeDocument/2006/math">
+                      <m:r>
+                        <a:rPr lang="en-US" altLang="ko-KR" i="1">
+                          <a:latin typeface="Cambria Math" panose="02040503050406030204" pitchFamily="18" charset="0"/>
+                        </a:rPr>
+                        <m:t>𝐷</m:t>
+                      </m:r>
+                      <m:r>
+                        <a:rPr lang="en-US" altLang="ko-KR" i="1">
+                          <a:latin typeface="Cambria Math" panose="02040503050406030204" pitchFamily="18" charset="0"/>
+                        </a:rPr>
+                        <m:t>×</m:t>
+                      </m:r>
+                      <m:r>
+                        <a:rPr lang="en-US" altLang="ko-KR" i="1">
+                          <a:latin typeface="Cambria Math" panose="02040503050406030204" pitchFamily="18" charset="0"/>
+                        </a:rPr>
+                        <m:t>𝑑𝑖𝑚</m:t>
+                      </m:r>
+                    </m:oMath>
+                  </m:oMathPara>
+                </a14:m>
+                <a:endParaRPr lang="ko-KR" altLang="en-US" dirty="0"/>
+              </a:p>
+            </p:txBody>
+          </p:sp>
+        </mc:Choice>
+        <mc:Fallback>
+          <p:sp>
+            <p:nvSpPr>
+              <p:cNvPr id="3" name="TextBox 2">
+                <a:extLst>
+                  <a:ext uri="{FF2B5EF4-FFF2-40B4-BE49-F238E27FC236}">
+                    <a16:creationId xmlns:a16="http://schemas.microsoft.com/office/drawing/2014/main" id="{FE754024-2361-4C80-B93A-511E13AEBBDB}"/>
+                  </a:ext>
+                </a:extLst>
+              </p:cNvPr>
+              <p:cNvSpPr txBox="1">
+                <a:spLocks noRot="1" noChangeAspect="1" noMove="1" noResize="1" noEditPoints="1" noAdjustHandles="1" noChangeArrowheads="1" noChangeShapeType="1" noTextEdit="1"/>
+              </p:cNvSpPr>
+              <p:nvPr/>
+            </p:nvSpPr>
+            <p:spPr>
+              <a:xfrm>
+                <a:off x="3693531" y="2313898"/>
+                <a:ext cx="1162875" cy="374526"/>
+              </a:xfrm>
+              <a:prstGeom prst="rect">
+                <a:avLst/>
+              </a:prstGeom>
+              <a:blipFill>
+                <a:blip r:embed="rId7"/>
+                <a:stretch>
+                  <a:fillRect/>
+                </a:stretch>
+              </a:blipFill>
+            </p:spPr>
+            <p:txBody>
+              <a:bodyPr/>
+              <a:lstStyle/>
+              <a:p>
+                <a:r>
+                  <a:rPr lang="ko-KR" altLang="en-US">
+                    <a:noFill/>
+                  </a:rPr>
+                  <a:t> </a:t>
+                </a:r>
+              </a:p>
+            </p:txBody>
+          </p:sp>
+        </mc:Fallback>
+      </mc:AlternateContent>
+      <mc:AlternateContent xmlns:mc="http://schemas.openxmlformats.org/markup-compatibility/2006">
+        <mc:Choice xmlns:a14="http://schemas.microsoft.com/office/drawing/2010/main" Requires="a14">
+          <p:sp>
+            <p:nvSpPr>
+              <p:cNvPr id="18" name="TextBox 17">
+                <a:extLst>
+                  <a:ext uri="{FF2B5EF4-FFF2-40B4-BE49-F238E27FC236}">
+                    <a16:creationId xmlns:a16="http://schemas.microsoft.com/office/drawing/2014/main" id="{EA677759-C346-4561-8900-941A767E83A8}"/>
+                  </a:ext>
+                </a:extLst>
+              </p:cNvPr>
+              <p:cNvSpPr txBox="1"/>
+              <p:nvPr/>
+            </p:nvSpPr>
+            <p:spPr>
+              <a:xfrm>
+                <a:off x="3961626" y="2022838"/>
+                <a:ext cx="3236490" cy="374526"/>
+              </a:xfrm>
+              <a:prstGeom prst="rect">
+                <a:avLst/>
+              </a:prstGeom>
+              <a:noFill/>
+            </p:spPr>
+            <p:txBody>
+              <a:bodyPr wrap="square" rtlCol="0">
+                <a:spAutoFit/>
+              </a:bodyPr>
+              <a:lstStyle/>
+              <a:p>
+                <a14:m>
+                  <m:oMathPara xmlns:m="http://schemas.openxmlformats.org/officeDocument/2006/math">
+                    <m:oMathParaPr>
+                      <m:jc m:val="centerGroup"/>
+                    </m:oMathParaPr>
+                    <m:oMath xmlns:m="http://schemas.openxmlformats.org/officeDocument/2006/math">
+                      <m:r>
+                        <a:rPr lang="en-US" altLang="ko-KR" b="0" i="1" smtClean="0">
+                          <a:latin typeface="Cambria Math" panose="02040503050406030204" pitchFamily="18" charset="0"/>
+                        </a:rPr>
+                        <m:t>𝐷</m:t>
+                      </m:r>
+                      <m:r>
+                        <a:rPr lang="en-US" altLang="ko-KR" b="0" i="1" smtClean="0">
+                          <a:latin typeface="Cambria Math" panose="02040503050406030204" pitchFamily="18" charset="0"/>
+                        </a:rPr>
+                        <m:t>×</m:t>
+                      </m:r>
+                      <m:r>
+                        <a:rPr lang="en-US" altLang="ko-KR" b="0" i="1" smtClean="0">
+                          <a:latin typeface="Cambria Math" panose="02040503050406030204" pitchFamily="18" charset="0"/>
+                        </a:rPr>
+                        <m:t>𝑑𝑖𝑚</m:t>
+                      </m:r>
+                    </m:oMath>
+                  </m:oMathPara>
+                </a14:m>
+                <a:endParaRPr lang="ko-KR" altLang="en-US" dirty="0"/>
+              </a:p>
+            </p:txBody>
+          </p:sp>
+        </mc:Choice>
+        <mc:Fallback>
+          <p:sp>
+            <p:nvSpPr>
+              <p:cNvPr id="18" name="TextBox 17">
+                <a:extLst>
+                  <a:ext uri="{FF2B5EF4-FFF2-40B4-BE49-F238E27FC236}">
+                    <a16:creationId xmlns:a16="http://schemas.microsoft.com/office/drawing/2014/main" id="{EA677759-C346-4561-8900-941A767E83A8}"/>
+                  </a:ext>
+                </a:extLst>
+              </p:cNvPr>
+              <p:cNvSpPr txBox="1">
+                <a:spLocks noRot="1" noChangeAspect="1" noMove="1" noResize="1" noEditPoints="1" noAdjustHandles="1" noChangeArrowheads="1" noChangeShapeType="1" noTextEdit="1"/>
+              </p:cNvSpPr>
+              <p:nvPr/>
+            </p:nvSpPr>
+            <p:spPr>
+              <a:xfrm>
+                <a:off x="3961626" y="2022838"/>
+                <a:ext cx="3236490" cy="374526"/>
+              </a:xfrm>
+              <a:prstGeom prst="rect">
+                <a:avLst/>
+              </a:prstGeom>
+              <a:blipFill>
+                <a:blip r:embed="rId8"/>
+                <a:stretch>
+                  <a:fillRect/>
+                </a:stretch>
+              </a:blipFill>
+            </p:spPr>
+            <p:txBody>
+              <a:bodyPr/>
+              <a:lstStyle/>
+              <a:p>
+                <a:r>
+                  <a:rPr lang="ko-KR" altLang="en-US">
+                    <a:noFill/>
+                  </a:rPr>
+                  <a:t> </a:t>
+                </a:r>
+              </a:p>
+            </p:txBody>
+          </p:sp>
+        </mc:Fallback>
+      </mc:AlternateContent>
+      <mc:AlternateContent xmlns:mc="http://schemas.openxmlformats.org/markup-compatibility/2006">
+        <mc:Choice xmlns:a14="http://schemas.microsoft.com/office/drawing/2010/main" Requires="a14">
+          <p:sp>
+            <p:nvSpPr>
+              <p:cNvPr id="19" name="TextBox 18">
+                <a:extLst>
+                  <a:ext uri="{FF2B5EF4-FFF2-40B4-BE49-F238E27FC236}">
+                    <a16:creationId xmlns:a16="http://schemas.microsoft.com/office/drawing/2014/main" id="{DCCEA3ED-90FC-4A96-A3C1-96BF40FCCB09}"/>
+                  </a:ext>
+                </a:extLst>
+              </p:cNvPr>
+              <p:cNvSpPr txBox="1"/>
+              <p:nvPr/>
+            </p:nvSpPr>
+            <p:spPr>
+              <a:xfrm>
+                <a:off x="4827382" y="3722498"/>
+                <a:ext cx="1145132" cy="369332"/>
+              </a:xfrm>
+              <a:prstGeom prst="rect">
+                <a:avLst/>
+              </a:prstGeom>
+              <a:noFill/>
+            </p:spPr>
+            <p:txBody>
+              <a:bodyPr wrap="square" rtlCol="0">
+                <a:spAutoFit/>
+              </a:bodyPr>
+              <a:lstStyle/>
+              <a:p>
+                <a14:m>
+                  <m:oMathPara xmlns:m="http://schemas.openxmlformats.org/officeDocument/2006/math">
+                    <m:oMathParaPr>
+                      <m:jc m:val="centerGroup"/>
+                    </m:oMathParaPr>
+                    <m:oMath xmlns:m="http://schemas.openxmlformats.org/officeDocument/2006/math">
+                      <m:r>
+                        <a:rPr lang="en-US" altLang="ko-KR" b="0" i="1" smtClean="0">
+                          <a:latin typeface="Cambria Math" panose="02040503050406030204" pitchFamily="18" charset="0"/>
+                        </a:rPr>
+                        <m:t>1×</m:t>
+                      </m:r>
+                      <m:r>
+                        <a:rPr lang="en-US" altLang="ko-KR" b="0" i="1" smtClean="0">
+                          <a:latin typeface="Cambria Math" panose="02040503050406030204" pitchFamily="18" charset="0"/>
+                        </a:rPr>
+                        <m:t>𝑑𝑖𝑚</m:t>
+                      </m:r>
+                    </m:oMath>
+                  </m:oMathPara>
+                </a14:m>
+                <a:endParaRPr lang="ko-KR" altLang="en-US" dirty="0"/>
+              </a:p>
+            </p:txBody>
+          </p:sp>
+        </mc:Choice>
+        <mc:Fallback>
+          <p:sp>
+            <p:nvSpPr>
+              <p:cNvPr id="19" name="TextBox 18">
+                <a:extLst>
+                  <a:ext uri="{FF2B5EF4-FFF2-40B4-BE49-F238E27FC236}">
+                    <a16:creationId xmlns:a16="http://schemas.microsoft.com/office/drawing/2014/main" id="{DCCEA3ED-90FC-4A96-A3C1-96BF40FCCB09}"/>
+                  </a:ext>
+                </a:extLst>
+              </p:cNvPr>
+              <p:cNvSpPr txBox="1">
+                <a:spLocks noRot="1" noChangeAspect="1" noMove="1" noResize="1" noEditPoints="1" noAdjustHandles="1" noChangeArrowheads="1" noChangeShapeType="1" noTextEdit="1"/>
+              </p:cNvSpPr>
+              <p:nvPr/>
+            </p:nvSpPr>
+            <p:spPr>
+              <a:xfrm>
+                <a:off x="4827382" y="3722498"/>
+                <a:ext cx="1145132" cy="369332"/>
+              </a:xfrm>
+              <a:prstGeom prst="rect">
+                <a:avLst/>
+              </a:prstGeom>
+              <a:blipFill>
+                <a:blip r:embed="rId9"/>
+                <a:stretch>
+                  <a:fillRect/>
+                </a:stretch>
+              </a:blipFill>
+            </p:spPr>
+            <p:txBody>
+              <a:bodyPr/>
+              <a:lstStyle/>
+              <a:p>
+                <a:r>
+                  <a:rPr lang="ko-KR" altLang="en-US">
+                    <a:noFill/>
+                  </a:rPr>
+                  <a:t> </a:t>
+                </a:r>
+              </a:p>
+            </p:txBody>
+          </p:sp>
+        </mc:Fallback>
+      </mc:AlternateContent>
+      <mc:AlternateContent xmlns:mc="http://schemas.openxmlformats.org/markup-compatibility/2006">
+        <mc:Choice xmlns:a14="http://schemas.microsoft.com/office/drawing/2010/main" Requires="a14">
+          <p:sp>
+            <p:nvSpPr>
+              <p:cNvPr id="23" name="TextBox 22">
+                <a:extLst>
+                  <a:ext uri="{FF2B5EF4-FFF2-40B4-BE49-F238E27FC236}">
+                    <a16:creationId xmlns:a16="http://schemas.microsoft.com/office/drawing/2014/main" id="{FA49E679-AC37-499C-81F5-E7C1077B2C79}"/>
+                  </a:ext>
+                </a:extLst>
+              </p:cNvPr>
+              <p:cNvSpPr txBox="1"/>
+              <p:nvPr/>
+            </p:nvSpPr>
+            <p:spPr>
+              <a:xfrm>
+                <a:off x="6448075" y="3368935"/>
+                <a:ext cx="1731668" cy="369332"/>
+              </a:xfrm>
+              <a:prstGeom prst="rect">
+                <a:avLst/>
+              </a:prstGeom>
+              <a:noFill/>
+            </p:spPr>
+            <p:txBody>
+              <a:bodyPr wrap="square" rtlCol="0">
+                <a:spAutoFit/>
+              </a:bodyPr>
+              <a:lstStyle/>
+              <a:p>
+                <a14:m>
+                  <m:oMathPara xmlns:m="http://schemas.openxmlformats.org/officeDocument/2006/math">
+                    <m:oMathParaPr>
+                      <m:jc m:val="centerGroup"/>
+                    </m:oMathParaPr>
+                    <m:oMath xmlns:m="http://schemas.openxmlformats.org/officeDocument/2006/math">
+                      <m:d>
+                        <m:dPr>
+                          <m:ctrlPr>
+                            <a:rPr lang="en-US" altLang="ko-KR" b="0" i="1" smtClean="0">
+                              <a:latin typeface="Cambria Math" panose="02040503050406030204" pitchFamily="18" charset="0"/>
+                            </a:rPr>
+                          </m:ctrlPr>
+                        </m:dPr>
+                        <m:e>
+                          <m:r>
+                            <a:rPr lang="en-US" altLang="ko-KR" b="0" i="1" smtClean="0">
+                              <a:latin typeface="Cambria Math" panose="02040503050406030204" pitchFamily="18" charset="0"/>
+                            </a:rPr>
+                            <m:t>𝐷</m:t>
+                          </m:r>
+                          <m:r>
+                            <a:rPr lang="en-US" altLang="ko-KR" b="0" i="1" smtClean="0">
+                              <a:latin typeface="Cambria Math" panose="02040503050406030204" pitchFamily="18" charset="0"/>
+                            </a:rPr>
+                            <m:t>+1</m:t>
+                          </m:r>
+                        </m:e>
+                      </m:d>
+                      <m:r>
+                        <a:rPr lang="en-US" altLang="ko-KR" b="0" i="1" smtClean="0">
+                          <a:latin typeface="Cambria Math" panose="02040503050406030204" pitchFamily="18" charset="0"/>
+                        </a:rPr>
+                        <m:t>×</m:t>
+                      </m:r>
+                      <m:r>
+                        <a:rPr lang="en-US" altLang="ko-KR" b="0" i="1" smtClean="0">
+                          <a:latin typeface="Cambria Math" panose="02040503050406030204" pitchFamily="18" charset="0"/>
+                        </a:rPr>
+                        <m:t>𝑑𝑖𝑚</m:t>
+                      </m:r>
+                    </m:oMath>
+                  </m:oMathPara>
+                </a14:m>
+                <a:endParaRPr lang="ko-KR" altLang="en-US" dirty="0"/>
+              </a:p>
+            </p:txBody>
+          </p:sp>
+        </mc:Choice>
+        <mc:Fallback>
+          <p:sp>
+            <p:nvSpPr>
+              <p:cNvPr id="23" name="TextBox 22">
+                <a:extLst>
+                  <a:ext uri="{FF2B5EF4-FFF2-40B4-BE49-F238E27FC236}">
+                    <a16:creationId xmlns:a16="http://schemas.microsoft.com/office/drawing/2014/main" id="{FA49E679-AC37-499C-81F5-E7C1077B2C79}"/>
+                  </a:ext>
+                </a:extLst>
+              </p:cNvPr>
+              <p:cNvSpPr txBox="1">
+                <a:spLocks noRot="1" noChangeAspect="1" noMove="1" noResize="1" noEditPoints="1" noAdjustHandles="1" noChangeArrowheads="1" noChangeShapeType="1" noTextEdit="1"/>
+              </p:cNvSpPr>
+              <p:nvPr/>
+            </p:nvSpPr>
+            <p:spPr>
+              <a:xfrm>
+                <a:off x="6448075" y="3368935"/>
+                <a:ext cx="1731668" cy="369332"/>
+              </a:xfrm>
+              <a:prstGeom prst="rect">
+                <a:avLst/>
+              </a:prstGeom>
+              <a:blipFill>
+                <a:blip r:embed="rId10"/>
+                <a:stretch>
+                  <a:fillRect/>
+                </a:stretch>
+              </a:blipFill>
+            </p:spPr>
+            <p:txBody>
+              <a:bodyPr/>
+              <a:lstStyle/>
+              <a:p>
+                <a:r>
+                  <a:rPr lang="ko-KR" altLang="en-US">
+                    <a:noFill/>
+                  </a:rPr>
+                  <a:t> </a:t>
+                </a:r>
+              </a:p>
+            </p:txBody>
+          </p:sp>
+        </mc:Fallback>
+      </mc:AlternateContent>
+      <mc:AlternateContent xmlns:mc="http://schemas.openxmlformats.org/markup-compatibility/2006">
+        <mc:Choice xmlns:a14="http://schemas.microsoft.com/office/drawing/2010/main" Requires="a14">
+          <p:sp>
+            <p:nvSpPr>
+              <p:cNvPr id="33" name="타원 32">
+                <a:extLst>
+                  <a:ext uri="{FF2B5EF4-FFF2-40B4-BE49-F238E27FC236}">
+                    <a16:creationId xmlns:a16="http://schemas.microsoft.com/office/drawing/2014/main" id="{29809541-3EA0-45D2-8096-FDD4ACB52969}"/>
+                  </a:ext>
+                </a:extLst>
+              </p:cNvPr>
+              <p:cNvSpPr/>
+              <p:nvPr/>
+            </p:nvSpPr>
+            <p:spPr>
+              <a:xfrm>
+                <a:off x="6239254" y="4329140"/>
+                <a:ext cx="717755" cy="717755"/>
+              </a:xfrm>
+              <a:prstGeom prst="ellipse">
+                <a:avLst/>
+              </a:prstGeom>
+            </p:spPr>
+            <p:style>
+              <a:lnRef idx="2">
+                <a:schemeClr val="accent1">
+                  <a:shade val="50000"/>
+                </a:schemeClr>
+              </a:lnRef>
+              <a:fillRef idx="1">
+                <a:schemeClr val="accent1"/>
+              </a:fillRef>
+              <a:effectRef idx="0">
+                <a:schemeClr val="accent1"/>
+              </a:effectRef>
+              <a:fontRef idx="minor">
+                <a:schemeClr val="lt1"/>
+              </a:fontRef>
+            </p:style>
+            <p:txBody>
+              <a:bodyPr rtlCol="0" anchor="ctr"/>
+              <a:lstStyle/>
+              <a:p>
+                <a:pPr algn="ctr"/>
+                <a14:m>
+                  <m:oMath xmlns:m="http://schemas.openxmlformats.org/officeDocument/2006/math">
+                    <m:r>
+                      <a:rPr lang="en-US" altLang="ko-KR" sz="1200" b="0" i="1" smtClean="0">
+                        <a:latin typeface="Cambria Math" panose="02040503050406030204" pitchFamily="18" charset="0"/>
+                      </a:rPr>
+                      <m:t>𝑁</m:t>
+                    </m:r>
+                    <m:r>
+                      <a:rPr lang="en-US" altLang="ko-KR" sz="1200" b="0" i="1" smtClean="0">
+                        <a:latin typeface="Cambria Math" panose="02040503050406030204" pitchFamily="18" charset="0"/>
+                      </a:rPr>
+                      <m:t>(0,1)</m:t>
+                    </m:r>
+                  </m:oMath>
+                </a14:m>
+                <a:r>
+                  <a:rPr lang="ko-KR" altLang="en-US" sz="1200" dirty="0"/>
+                  <a:t> </a:t>
+                </a:r>
+              </a:p>
+            </p:txBody>
+          </p:sp>
+        </mc:Choice>
+        <mc:Fallback>
+          <p:sp>
+            <p:nvSpPr>
+              <p:cNvPr id="33" name="타원 32">
+                <a:extLst>
+                  <a:ext uri="{FF2B5EF4-FFF2-40B4-BE49-F238E27FC236}">
+                    <a16:creationId xmlns:a16="http://schemas.microsoft.com/office/drawing/2014/main" id="{29809541-3EA0-45D2-8096-FDD4ACB52969}"/>
+                  </a:ext>
+                </a:extLst>
+              </p:cNvPr>
+              <p:cNvSpPr>
+                <a:spLocks noRot="1" noChangeAspect="1" noMove="1" noResize="1" noEditPoints="1" noAdjustHandles="1" noChangeArrowheads="1" noChangeShapeType="1" noTextEdit="1"/>
+              </p:cNvSpPr>
+              <p:nvPr/>
+            </p:nvSpPr>
+            <p:spPr>
+              <a:xfrm>
+                <a:off x="6239254" y="4329140"/>
+                <a:ext cx="717755" cy="717755"/>
+              </a:xfrm>
+              <a:prstGeom prst="ellipse">
+                <a:avLst/>
+              </a:prstGeom>
+              <a:blipFill>
+                <a:blip r:embed="rId11"/>
+                <a:stretch>
+                  <a:fillRect/>
+                </a:stretch>
+              </a:blipFill>
+            </p:spPr>
+            <p:txBody>
+              <a:bodyPr/>
+              <a:lstStyle/>
+              <a:p>
+                <a:r>
+                  <a:rPr lang="ko-KR" altLang="en-US">
+                    <a:noFill/>
+                  </a:rPr>
+                  <a:t> </a:t>
+                </a:r>
+              </a:p>
+            </p:txBody>
+          </p:sp>
+        </mc:Fallback>
+      </mc:AlternateContent>
+      <p:cxnSp>
+        <p:nvCxnSpPr>
+          <p:cNvPr id="35" name="연결선: 꺾임 34">
+            <a:extLst>
+              <a:ext uri="{FF2B5EF4-FFF2-40B4-BE49-F238E27FC236}">
+                <a16:creationId xmlns:a16="http://schemas.microsoft.com/office/drawing/2014/main" id="{6B2B9EB7-D6B8-4F16-B000-F9A2A62D1C3A}"/>
+              </a:ext>
+            </a:extLst>
+          </p:cNvPr>
+          <p:cNvCxnSpPr>
+            <a:cxnSpLocks/>
+            <a:stCxn id="21" idx="3"/>
+            <a:endCxn id="33" idx="0"/>
+          </p:cNvCxnSpPr>
+          <p:nvPr/>
+        </p:nvCxnSpPr>
+        <p:spPr>
+          <a:xfrm>
+            <a:off x="5789908" y="3617541"/>
+            <a:ext cx="808224" cy="711599"/>
+          </a:xfrm>
+          <a:prstGeom prst="curvedConnector2">
+            <a:avLst/>
+          </a:prstGeom>
+          <a:ln w="38100">
+            <a:tailEnd type="triangle"/>
+          </a:ln>
+        </p:spPr>
+        <p:style>
+          <a:lnRef idx="1">
+            <a:schemeClr val="accent1"/>
+          </a:lnRef>
+          <a:fillRef idx="0">
+            <a:schemeClr val="accent1"/>
+          </a:fillRef>
+          <a:effectRef idx="0">
+            <a:schemeClr val="accent1"/>
+          </a:effectRef>
+          <a:fontRef idx="minor">
+            <a:schemeClr val="tx1"/>
+          </a:fontRef>
+        </p:style>
+      </p:cxnSp>
+    </p:spTree>
+    <p:extLst>
+      <p:ext uri="{BB962C8B-B14F-4D97-AF65-F5344CB8AC3E}">
+        <p14:creationId xmlns:p14="http://schemas.microsoft.com/office/powerpoint/2010/main" val="135600566"/>
+      </p:ext>
+    </p:extLst>
+  </p:cSld>
+  <p:clrMapOvr>
+    <a:masterClrMapping/>
+  </p:clrMapOvr>
+</p:sld>
+</file>
+
+<file path=ppt/slides/slide2.xml><?xml version="1.0" encoding="utf-8"?>
+<p:sld xmlns:a="http://schemas.openxmlformats.org/drawingml/2006/main" xmlns:r="http://schemas.openxmlformats.org/officeDocument/2006/relationships" xmlns:p="http://schemas.openxmlformats.org/presentationml/2006/main">
+  <p:cSld>
+    <p:spTree>
+      <p:nvGrpSpPr>
+        <p:cNvPr id="1" name=""/>
+        <p:cNvGrpSpPr/>
+        <p:nvPr/>
+      </p:nvGrpSpPr>
+      <p:grpSpPr>
+        <a:xfrm>
+          <a:off x="0" y="0"/>
+          <a:ext cx="0" cy="0"/>
+          <a:chOff x="0" y="0"/>
+          <a:chExt cx="0" cy="0"/>
+        </a:xfrm>
+      </p:grpSpPr>
+      <p:sp>
+        <p:nvSpPr>
+          <p:cNvPr id="4" name="사각형: 둥근 모서리 3">
+            <a:extLst>
+              <a:ext uri="{FF2B5EF4-FFF2-40B4-BE49-F238E27FC236}">
+                <a16:creationId xmlns:a16="http://schemas.microsoft.com/office/drawing/2014/main" id="{17DA8EDB-B240-4863-909E-390CB08C4963}"/>
+              </a:ext>
+            </a:extLst>
+          </p:cNvPr>
+          <p:cNvSpPr/>
+          <p:nvPr/>
+        </p:nvSpPr>
+        <p:spPr>
+          <a:xfrm>
+            <a:off x="1935792" y="2671059"/>
+            <a:ext cx="2486527" cy="850231"/>
+          </a:xfrm>
+          <a:prstGeom prst="roundRect">
+            <a:avLst/>
+          </a:prstGeom>
+          <a:solidFill>
+            <a:srgbClr val="FFFF00"/>
+          </a:solidFill>
+        </p:spPr>
+        <p:style>
+          <a:lnRef idx="2">
+            <a:schemeClr val="accent1">
+              <a:shade val="50000"/>
+            </a:schemeClr>
+          </a:lnRef>
+          <a:fillRef idx="1">
+            <a:schemeClr val="accent1"/>
+          </a:fillRef>
+          <a:effectRef idx="0">
+            <a:schemeClr val="accent1"/>
+          </a:effectRef>
+          <a:fontRef idx="minor">
+            <a:schemeClr val="lt1"/>
+          </a:fontRef>
+        </p:style>
+        <p:txBody>
+          <a:bodyPr rtlCol="0" anchor="ctr"/>
+          <a:lstStyle/>
+          <a:p>
+            <a:pPr algn="ctr"/>
+            <a:r>
+              <a:rPr lang="en-US" altLang="ko-KR" sz="3600" b="1" dirty="0">
+                <a:solidFill>
+                  <a:sysClr val="windowText" lastClr="000000"/>
+                </a:solidFill>
+              </a:rPr>
+              <a:t>Encoder</a:t>
+            </a:r>
+            <a:endParaRPr lang="ko-KR" altLang="en-US" sz="3600" b="1" dirty="0">
+              <a:solidFill>
+                <a:sysClr val="windowText" lastClr="000000"/>
+              </a:solidFill>
+            </a:endParaRPr>
+          </a:p>
+        </p:txBody>
+      </p:sp>
+      <p:sp>
+        <p:nvSpPr>
+          <p:cNvPr id="6" name="사각형: 둥근 모서리 5">
+            <a:extLst>
+              <a:ext uri="{FF2B5EF4-FFF2-40B4-BE49-F238E27FC236}">
+                <a16:creationId xmlns:a16="http://schemas.microsoft.com/office/drawing/2014/main" id="{B78AE5EE-7E52-49BE-A76B-B825D3A73C30}"/>
+              </a:ext>
+            </a:extLst>
+          </p:cNvPr>
+          <p:cNvSpPr/>
+          <p:nvPr/>
+        </p:nvSpPr>
+        <p:spPr>
+          <a:xfrm>
+            <a:off x="7301878" y="2667669"/>
+            <a:ext cx="2486527" cy="850231"/>
+          </a:xfrm>
+          <a:prstGeom prst="roundRect">
+            <a:avLst/>
+          </a:prstGeom>
+          <a:solidFill>
+            <a:srgbClr val="FFFF00"/>
+          </a:solidFill>
+        </p:spPr>
+        <p:style>
+          <a:lnRef idx="2">
+            <a:schemeClr val="accent1">
+              <a:shade val="50000"/>
+            </a:schemeClr>
+          </a:lnRef>
+          <a:fillRef idx="1">
+            <a:schemeClr val="accent1"/>
+          </a:fillRef>
+          <a:effectRef idx="0">
+            <a:schemeClr val="accent1"/>
+          </a:effectRef>
+          <a:fontRef idx="minor">
+            <a:schemeClr val="lt1"/>
+          </a:fontRef>
+        </p:style>
+        <p:txBody>
+          <a:bodyPr rtlCol="0" anchor="ctr"/>
+          <a:lstStyle/>
+          <a:p>
+            <a:pPr algn="ctr"/>
+            <a:r>
+              <a:rPr lang="en-US" altLang="ko-KR" sz="3600" b="1" dirty="0">
+                <a:solidFill>
+                  <a:sysClr val="windowText" lastClr="000000"/>
+                </a:solidFill>
+              </a:rPr>
+              <a:t>Decoder</a:t>
+            </a:r>
+            <a:endParaRPr lang="ko-KR" altLang="en-US" sz="3600" b="1" dirty="0">
+              <a:solidFill>
+                <a:sysClr val="windowText" lastClr="000000"/>
+              </a:solidFill>
+            </a:endParaRPr>
+          </a:p>
+        </p:txBody>
+      </p:sp>
+      <p:cxnSp>
+        <p:nvCxnSpPr>
+          <p:cNvPr id="8" name="직선 화살표 연결선 7">
+            <a:extLst>
+              <a:ext uri="{FF2B5EF4-FFF2-40B4-BE49-F238E27FC236}">
+                <a16:creationId xmlns:a16="http://schemas.microsoft.com/office/drawing/2014/main" id="{69F07383-5608-46E7-A155-4F8C7B08B381}"/>
+              </a:ext>
+            </a:extLst>
+          </p:cNvPr>
+          <p:cNvCxnSpPr>
+            <a:cxnSpLocks/>
+            <a:endCxn id="4" idx="2"/>
+          </p:cNvCxnSpPr>
+          <p:nvPr/>
+        </p:nvCxnSpPr>
+        <p:spPr>
+          <a:xfrm flipV="1">
+            <a:off x="3179055" y="3521290"/>
+            <a:ext cx="1" cy="729917"/>
+          </a:xfrm>
+          <a:prstGeom prst="straightConnector1">
+            <a:avLst/>
+          </a:prstGeom>
+          <a:ln w="57150">
+            <a:tailEnd type="triangle"/>
+          </a:ln>
+        </p:spPr>
+        <p:style>
+          <a:lnRef idx="1">
+            <a:schemeClr val="accent1"/>
+          </a:lnRef>
+          <a:fillRef idx="0">
+            <a:schemeClr val="accent1"/>
+          </a:fillRef>
+          <a:effectRef idx="0">
+            <a:schemeClr val="accent1"/>
+          </a:effectRef>
+          <a:fontRef idx="minor">
+            <a:schemeClr val="tx1"/>
+          </a:fontRef>
+        </p:style>
+      </p:cxnSp>
+      <p:cxnSp>
+        <p:nvCxnSpPr>
+          <p:cNvPr id="11" name="직선 화살표 연결선 10">
+            <a:extLst>
+              <a:ext uri="{FF2B5EF4-FFF2-40B4-BE49-F238E27FC236}">
+                <a16:creationId xmlns:a16="http://schemas.microsoft.com/office/drawing/2014/main" id="{208D08F0-B018-4D19-9FED-58CC8A36DE39}"/>
+              </a:ext>
+            </a:extLst>
+          </p:cNvPr>
+          <p:cNvCxnSpPr>
+            <a:cxnSpLocks/>
+            <a:stCxn id="6" idx="0"/>
+            <a:endCxn id="31" idx="2"/>
+          </p:cNvCxnSpPr>
+          <p:nvPr/>
+        </p:nvCxnSpPr>
+        <p:spPr>
+          <a:xfrm flipH="1" flipV="1">
+            <a:off x="8545141" y="2206377"/>
+            <a:ext cx="1" cy="461292"/>
+          </a:xfrm>
+          <a:prstGeom prst="straightConnector1">
+            <a:avLst/>
+          </a:prstGeom>
+          <a:ln w="57150">
+            <a:tailEnd type="triangle"/>
+          </a:ln>
+        </p:spPr>
+        <p:style>
+          <a:lnRef idx="1">
+            <a:schemeClr val="accent1"/>
+          </a:lnRef>
+          <a:fillRef idx="0">
+            <a:schemeClr val="accent1"/>
+          </a:fillRef>
+          <a:effectRef idx="0">
+            <a:schemeClr val="accent1"/>
+          </a:effectRef>
+          <a:fontRef idx="minor">
+            <a:schemeClr val="tx1"/>
+          </a:fontRef>
+        </p:style>
+      </p:cxnSp>
+      <p:cxnSp>
+        <p:nvCxnSpPr>
+          <p:cNvPr id="13" name="연결선: 꺾임 12">
+            <a:extLst>
+              <a:ext uri="{FF2B5EF4-FFF2-40B4-BE49-F238E27FC236}">
+                <a16:creationId xmlns:a16="http://schemas.microsoft.com/office/drawing/2014/main" id="{CCB59892-FD37-49DD-BE29-32CA9E7785CC}"/>
+              </a:ext>
+            </a:extLst>
+          </p:cNvPr>
+          <p:cNvCxnSpPr>
+            <a:cxnSpLocks/>
+            <a:stCxn id="4" idx="3"/>
+            <a:endCxn id="6" idx="1"/>
+          </p:cNvCxnSpPr>
+          <p:nvPr/>
+        </p:nvCxnSpPr>
+        <p:spPr>
+          <a:xfrm flipV="1">
+            <a:off x="4422319" y="3092785"/>
+            <a:ext cx="2879559" cy="3390"/>
+          </a:xfrm>
+          <a:prstGeom prst="bentConnector3">
+            <a:avLst/>
+          </a:prstGeom>
+          <a:ln w="38100">
+            <a:tailEnd type="triangle"/>
+          </a:ln>
+        </p:spPr>
+        <p:style>
+          <a:lnRef idx="1">
+            <a:schemeClr val="accent1"/>
+          </a:lnRef>
+          <a:fillRef idx="0">
+            <a:schemeClr val="accent1"/>
+          </a:fillRef>
+          <a:effectRef idx="0">
+            <a:schemeClr val="accent1"/>
+          </a:effectRef>
+          <a:fontRef idx="minor">
+            <a:schemeClr val="tx1"/>
+          </a:fontRef>
+        </p:style>
+      </p:cxnSp>
+      <mc:AlternateContent xmlns:mc="http://schemas.openxmlformats.org/markup-compatibility/2006">
+        <mc:Choice xmlns:a14="http://schemas.microsoft.com/office/drawing/2010/main" Requires="a14">
+          <p:sp>
+            <p:nvSpPr>
+              <p:cNvPr id="15" name="TextBox 14">
+                <a:extLst>
+                  <a:ext uri="{FF2B5EF4-FFF2-40B4-BE49-F238E27FC236}">
+                    <a16:creationId xmlns:a16="http://schemas.microsoft.com/office/drawing/2014/main" id="{D7B3C760-35A2-4AB7-A233-1DF78FC81FB9}"/>
+                  </a:ext>
+                </a:extLst>
+              </p:cNvPr>
+              <p:cNvSpPr txBox="1"/>
+              <p:nvPr/>
+            </p:nvSpPr>
+            <p:spPr>
+              <a:xfrm>
+                <a:off x="4734013" y="2736916"/>
+                <a:ext cx="417094" cy="369332"/>
+              </a:xfrm>
+              <a:prstGeom prst="rect">
+                <a:avLst/>
+              </a:prstGeom>
+              <a:noFill/>
+            </p:spPr>
+            <p:txBody>
+              <a:bodyPr wrap="square" rtlCol="0">
+                <a:spAutoFit/>
+              </a:bodyPr>
+              <a:lstStyle/>
+              <a:p>
+                <a:pPr/>
+                <a14:m>
+                  <m:oMathPara xmlns:m="http://schemas.openxmlformats.org/officeDocument/2006/math">
+                    <m:oMathParaPr>
+                      <m:jc m:val="centerGroup"/>
+                    </m:oMathParaPr>
+                    <m:oMath xmlns:m="http://schemas.openxmlformats.org/officeDocument/2006/math">
+                      <m:r>
+                        <a:rPr lang="en-US" altLang="ko-KR" b="1" i="1" smtClean="0">
+                          <a:latin typeface="Cambria Math" panose="02040503050406030204" pitchFamily="18" charset="0"/>
+                        </a:rPr>
+                        <m:t>𝑿</m:t>
+                      </m:r>
+                    </m:oMath>
+                  </m:oMathPara>
+                </a14:m>
+                <a:endParaRPr lang="ko-KR" altLang="en-US" b="1" dirty="0"/>
+              </a:p>
+            </p:txBody>
+          </p:sp>
+        </mc:Choice>
+        <mc:Fallback>
+          <p:sp>
+            <p:nvSpPr>
+              <p:cNvPr id="15" name="TextBox 14">
+                <a:extLst>
+                  <a:ext uri="{FF2B5EF4-FFF2-40B4-BE49-F238E27FC236}">
+                    <a16:creationId xmlns:a16="http://schemas.microsoft.com/office/drawing/2014/main" id="{D7B3C760-35A2-4AB7-A233-1DF78FC81FB9}"/>
+                  </a:ext>
+                </a:extLst>
+              </p:cNvPr>
+              <p:cNvSpPr txBox="1">
+                <a:spLocks noRot="1" noChangeAspect="1" noMove="1" noResize="1" noEditPoints="1" noAdjustHandles="1" noChangeArrowheads="1" noChangeShapeType="1" noTextEdit="1"/>
+              </p:cNvSpPr>
+              <p:nvPr/>
+            </p:nvSpPr>
+            <p:spPr>
+              <a:xfrm>
+                <a:off x="4734013" y="2736916"/>
+                <a:ext cx="417094" cy="369332"/>
+              </a:xfrm>
+              <a:prstGeom prst="rect">
+                <a:avLst/>
+              </a:prstGeom>
+              <a:blipFill>
+                <a:blip r:embed="rId2"/>
+                <a:stretch>
+                  <a:fillRect/>
+                </a:stretch>
+              </a:blipFill>
+            </p:spPr>
+            <p:txBody>
+              <a:bodyPr/>
+              <a:lstStyle/>
+              <a:p>
+                <a:r>
+                  <a:rPr lang="ko-KR" altLang="en-US">
+                    <a:noFill/>
+                  </a:rPr>
+                  <a:t> </a:t>
+                </a:r>
+              </a:p>
+            </p:txBody>
+          </p:sp>
+        </mc:Fallback>
+      </mc:AlternateContent>
+      <p:cxnSp>
+        <p:nvCxnSpPr>
+          <p:cNvPr id="17" name="연결선: 꺾임 16">
+            <a:extLst>
+              <a:ext uri="{FF2B5EF4-FFF2-40B4-BE49-F238E27FC236}">
+                <a16:creationId xmlns:a16="http://schemas.microsoft.com/office/drawing/2014/main" id="{7BAFADE8-BEE3-440F-846D-C80E22691FD3}"/>
+              </a:ext>
+            </a:extLst>
+          </p:cNvPr>
+          <p:cNvCxnSpPr>
+            <a:cxnSpLocks/>
+            <a:stCxn id="4" idx="3"/>
+            <a:endCxn id="21" idx="1"/>
+          </p:cNvCxnSpPr>
+          <p:nvPr/>
+        </p:nvCxnSpPr>
+        <p:spPr>
+          <a:xfrm flipV="1">
+            <a:off x="4422319" y="2021711"/>
+            <a:ext cx="1399841" cy="1074464"/>
+          </a:xfrm>
+          <a:prstGeom prst="bentConnector3">
+            <a:avLst>
+              <a:gd name="adj1" fmla="val 88104"/>
+            </a:avLst>
+          </a:prstGeom>
+          <a:ln w="38100">
+            <a:tailEnd type="triangle"/>
+          </a:ln>
+        </p:spPr>
+        <p:style>
+          <a:lnRef idx="1">
+            <a:schemeClr val="accent1"/>
+          </a:lnRef>
+          <a:fillRef idx="0">
+            <a:schemeClr val="accent1"/>
+          </a:fillRef>
+          <a:effectRef idx="0">
+            <a:schemeClr val="accent1"/>
+          </a:effectRef>
+          <a:fontRef idx="minor">
+            <a:schemeClr val="tx1"/>
+          </a:fontRef>
+        </p:style>
+      </p:cxnSp>
+      <mc:AlternateContent xmlns:mc="http://schemas.openxmlformats.org/markup-compatibility/2006">
+        <mc:Choice xmlns:a14="http://schemas.microsoft.com/office/drawing/2010/main" Requires="a14">
+          <p:sp>
+            <p:nvSpPr>
+              <p:cNvPr id="21" name="TextBox 20">
+                <a:extLst>
+                  <a:ext uri="{FF2B5EF4-FFF2-40B4-BE49-F238E27FC236}">
+                    <a16:creationId xmlns:a16="http://schemas.microsoft.com/office/drawing/2014/main" id="{F14BC384-803C-4967-BFCE-DB8AA8461982}"/>
+                  </a:ext>
+                </a:extLst>
+              </p:cNvPr>
+              <p:cNvSpPr txBox="1"/>
+              <p:nvPr/>
+            </p:nvSpPr>
+            <p:spPr>
+              <a:xfrm>
+                <a:off x="5822160" y="1837045"/>
+                <a:ext cx="417094" cy="369332"/>
+              </a:xfrm>
+              <a:prstGeom prst="rect">
+                <a:avLst/>
+              </a:prstGeom>
+              <a:noFill/>
+            </p:spPr>
+            <p:txBody>
+              <a:bodyPr wrap="square" rtlCol="0">
+                <a:spAutoFit/>
+              </a:bodyPr>
+              <a:lstStyle/>
+              <a:p>
+                <a:pPr/>
+                <a14:m>
+                  <m:oMathPara xmlns:m="http://schemas.openxmlformats.org/officeDocument/2006/math">
+                    <m:oMathParaPr>
+                      <m:jc m:val="centerGroup"/>
+                    </m:oMathParaPr>
+                    <m:oMath xmlns:m="http://schemas.openxmlformats.org/officeDocument/2006/math">
+                      <m:r>
+                        <a:rPr lang="en-US" altLang="ko-KR" b="1" i="1" smtClean="0">
+                          <a:latin typeface="Cambria Math" panose="02040503050406030204" pitchFamily="18" charset="0"/>
+                        </a:rPr>
+                        <m:t>𝒁</m:t>
+                      </m:r>
+                    </m:oMath>
+                  </m:oMathPara>
+                </a14:m>
+                <a:endParaRPr lang="ko-KR" altLang="en-US" b="1" dirty="0"/>
+              </a:p>
+            </p:txBody>
+          </p:sp>
+        </mc:Choice>
+        <mc:Fallback>
+          <p:sp>
+            <p:nvSpPr>
+              <p:cNvPr id="21" name="TextBox 20">
+                <a:extLst>
+                  <a:ext uri="{FF2B5EF4-FFF2-40B4-BE49-F238E27FC236}">
+                    <a16:creationId xmlns:a16="http://schemas.microsoft.com/office/drawing/2014/main" id="{F14BC384-803C-4967-BFCE-DB8AA8461982}"/>
+                  </a:ext>
+                </a:extLst>
+              </p:cNvPr>
+              <p:cNvSpPr txBox="1">
+                <a:spLocks noRot="1" noChangeAspect="1" noMove="1" noResize="1" noEditPoints="1" noAdjustHandles="1" noChangeArrowheads="1" noChangeShapeType="1" noTextEdit="1"/>
+              </p:cNvSpPr>
+              <p:nvPr/>
+            </p:nvSpPr>
+            <p:spPr>
+              <a:xfrm>
+                <a:off x="5822160" y="1837045"/>
+                <a:ext cx="417094" cy="369332"/>
+              </a:xfrm>
+              <a:prstGeom prst="rect">
+                <a:avLst/>
+              </a:prstGeom>
+              <a:blipFill>
+                <a:blip r:embed="rId3"/>
+                <a:stretch>
+                  <a:fillRect/>
+                </a:stretch>
+              </a:blipFill>
+            </p:spPr>
+            <p:txBody>
+              <a:bodyPr/>
+              <a:lstStyle/>
+              <a:p>
+                <a:r>
+                  <a:rPr lang="ko-KR" altLang="en-US">
+                    <a:noFill/>
+                  </a:rPr>
+                  <a:t> </a:t>
+                </a:r>
+              </a:p>
+            </p:txBody>
+          </p:sp>
+        </mc:Fallback>
+      </mc:AlternateContent>
+      <mc:AlternateContent xmlns:mc="http://schemas.openxmlformats.org/markup-compatibility/2006">
+        <mc:Choice xmlns:a14="http://schemas.microsoft.com/office/drawing/2010/main" Requires="a14">
+          <p:sp>
+            <p:nvSpPr>
+              <p:cNvPr id="30" name="TextBox 29">
+                <a:extLst>
+                  <a:ext uri="{FF2B5EF4-FFF2-40B4-BE49-F238E27FC236}">
+                    <a16:creationId xmlns:a16="http://schemas.microsoft.com/office/drawing/2014/main" id="{8908C056-7E5E-4410-83DB-B8CC19D1142B}"/>
+                  </a:ext>
+                </a:extLst>
+              </p:cNvPr>
+              <p:cNvSpPr txBox="1"/>
+              <p:nvPr/>
+            </p:nvSpPr>
+            <p:spPr>
+              <a:xfrm>
+                <a:off x="2970508" y="4251207"/>
+                <a:ext cx="417094" cy="369332"/>
+              </a:xfrm>
+              <a:prstGeom prst="rect">
+                <a:avLst/>
+              </a:prstGeom>
+              <a:noFill/>
+            </p:spPr>
+            <p:txBody>
+              <a:bodyPr wrap="square" rtlCol="0">
+                <a:spAutoFit/>
+              </a:bodyPr>
+              <a:lstStyle/>
+              <a:p>
+                <a:pPr/>
+                <a14:m>
+                  <m:oMathPara xmlns:m="http://schemas.openxmlformats.org/officeDocument/2006/math">
+                    <m:oMathParaPr>
+                      <m:jc m:val="centerGroup"/>
+                    </m:oMathParaPr>
+                    <m:oMath xmlns:m="http://schemas.openxmlformats.org/officeDocument/2006/math">
+                      <m:r>
+                        <a:rPr lang="en-US" altLang="ko-KR" b="1" i="1" smtClean="0">
+                          <a:latin typeface="Cambria Math" panose="02040503050406030204" pitchFamily="18" charset="0"/>
+                        </a:rPr>
+                        <m:t>𝑫</m:t>
+                      </m:r>
+                    </m:oMath>
+                  </m:oMathPara>
+                </a14:m>
+                <a:endParaRPr lang="ko-KR" altLang="en-US" b="1" dirty="0"/>
+              </a:p>
+            </p:txBody>
+          </p:sp>
+        </mc:Choice>
+        <mc:Fallback>
+          <p:sp>
+            <p:nvSpPr>
+              <p:cNvPr id="30" name="TextBox 29">
+                <a:extLst>
+                  <a:ext uri="{FF2B5EF4-FFF2-40B4-BE49-F238E27FC236}">
+                    <a16:creationId xmlns:a16="http://schemas.microsoft.com/office/drawing/2014/main" id="{8908C056-7E5E-4410-83DB-B8CC19D1142B}"/>
+                  </a:ext>
+                </a:extLst>
+              </p:cNvPr>
+              <p:cNvSpPr txBox="1">
+                <a:spLocks noRot="1" noChangeAspect="1" noMove="1" noResize="1" noEditPoints="1" noAdjustHandles="1" noChangeArrowheads="1" noChangeShapeType="1" noTextEdit="1"/>
+              </p:cNvSpPr>
+              <p:nvPr/>
+            </p:nvSpPr>
+            <p:spPr>
+              <a:xfrm>
+                <a:off x="2970508" y="4251207"/>
+                <a:ext cx="417094" cy="369332"/>
+              </a:xfrm>
+              <a:prstGeom prst="rect">
+                <a:avLst/>
+              </a:prstGeom>
+              <a:blipFill>
+                <a:blip r:embed="rId4"/>
+                <a:stretch>
+                  <a:fillRect/>
+                </a:stretch>
+              </a:blipFill>
+            </p:spPr>
+            <p:txBody>
+              <a:bodyPr/>
+              <a:lstStyle/>
+              <a:p>
+                <a:r>
+                  <a:rPr lang="ko-KR" altLang="en-US">
+                    <a:noFill/>
+                  </a:rPr>
+                  <a:t> </a:t>
+                </a:r>
+              </a:p>
+            </p:txBody>
+          </p:sp>
+        </mc:Fallback>
+      </mc:AlternateContent>
+      <mc:AlternateContent xmlns:mc="http://schemas.openxmlformats.org/markup-compatibility/2006">
+        <mc:Choice xmlns:a14="http://schemas.microsoft.com/office/drawing/2010/main" Requires="a14">
+          <p:sp>
+            <p:nvSpPr>
+              <p:cNvPr id="31" name="TextBox 30">
+                <a:extLst>
+                  <a:ext uri="{FF2B5EF4-FFF2-40B4-BE49-F238E27FC236}">
+                    <a16:creationId xmlns:a16="http://schemas.microsoft.com/office/drawing/2014/main" id="{E4E5090D-7B55-474B-B60D-3BFD2D2F78F8}"/>
+                  </a:ext>
+                </a:extLst>
+              </p:cNvPr>
+              <p:cNvSpPr txBox="1"/>
+              <p:nvPr/>
+            </p:nvSpPr>
+            <p:spPr>
+              <a:xfrm>
+                <a:off x="7950941" y="1837045"/>
+                <a:ext cx="1188399" cy="369332"/>
+              </a:xfrm>
+              <a:prstGeom prst="rect">
+                <a:avLst/>
+              </a:prstGeom>
+              <a:noFill/>
+            </p:spPr>
+            <p:txBody>
+              <a:bodyPr wrap="square" rtlCol="0">
+                <a:spAutoFit/>
+              </a:bodyPr>
+              <a:lstStyle/>
+              <a:p>
+                <a:pPr/>
+                <a14:m>
+                  <m:oMathPara xmlns:m="http://schemas.openxmlformats.org/officeDocument/2006/math">
+                    <m:oMathParaPr>
+                      <m:jc m:val="centerGroup"/>
+                    </m:oMathParaPr>
+                    <m:oMath xmlns:m="http://schemas.openxmlformats.org/officeDocument/2006/math">
+                      <m:r>
+                        <a:rPr lang="en-US" altLang="ko-KR" b="1" i="1" smtClean="0">
+                          <a:latin typeface="Cambria Math" panose="02040503050406030204" pitchFamily="18" charset="0"/>
+                        </a:rPr>
+                        <m:t>𝑺</m:t>
+                      </m:r>
+                      <m:r>
+                        <a:rPr lang="en-US" altLang="ko-KR" b="1" i="1" smtClean="0">
+                          <a:latin typeface="Cambria Math" panose="02040503050406030204" pitchFamily="18" charset="0"/>
+                        </a:rPr>
+                        <m:t>×</m:t>
+                      </m:r>
+                      <m:r>
+                        <a:rPr lang="en-US" altLang="ko-KR" b="1" i="1" smtClean="0">
+                          <a:latin typeface="Cambria Math" panose="02040503050406030204" pitchFamily="18" charset="0"/>
+                        </a:rPr>
+                        <m:t>𝒅𝒊𝒎</m:t>
+                      </m:r>
+                      <m:r>
+                        <a:rPr lang="en-US" altLang="ko-KR" b="1" i="1" smtClean="0">
+                          <a:latin typeface="Cambria Math" panose="02040503050406030204" pitchFamily="18" charset="0"/>
+                        </a:rPr>
+                        <m:t> </m:t>
+                      </m:r>
+                    </m:oMath>
+                  </m:oMathPara>
+                </a14:m>
+                <a:endParaRPr lang="ko-KR" altLang="en-US" b="1" dirty="0"/>
+              </a:p>
+            </p:txBody>
+          </p:sp>
+        </mc:Choice>
+        <mc:Fallback>
+          <p:sp>
+            <p:nvSpPr>
+              <p:cNvPr id="31" name="TextBox 30">
+                <a:extLst>
+                  <a:ext uri="{FF2B5EF4-FFF2-40B4-BE49-F238E27FC236}">
+                    <a16:creationId xmlns:a16="http://schemas.microsoft.com/office/drawing/2014/main" id="{E4E5090D-7B55-474B-B60D-3BFD2D2F78F8}"/>
+                  </a:ext>
+                </a:extLst>
+              </p:cNvPr>
+              <p:cNvSpPr txBox="1">
+                <a:spLocks noRot="1" noChangeAspect="1" noMove="1" noResize="1" noEditPoints="1" noAdjustHandles="1" noChangeArrowheads="1" noChangeShapeType="1" noTextEdit="1"/>
+              </p:cNvSpPr>
+              <p:nvPr/>
+            </p:nvSpPr>
+            <p:spPr>
+              <a:xfrm>
+                <a:off x="7950941" y="1837045"/>
+                <a:ext cx="1188399" cy="369332"/>
+              </a:xfrm>
+              <a:prstGeom prst="rect">
+                <a:avLst/>
+              </a:prstGeom>
+              <a:blipFill>
+                <a:blip r:embed="rId5"/>
+                <a:stretch>
+                  <a:fillRect/>
+                </a:stretch>
+              </a:blipFill>
+            </p:spPr>
+            <p:txBody>
+              <a:bodyPr/>
+              <a:lstStyle/>
+              <a:p>
+                <a:r>
+                  <a:rPr lang="ko-KR" altLang="en-US">
+                    <a:noFill/>
+                  </a:rPr>
+                  <a:t> </a:t>
+                </a:r>
+              </a:p>
+            </p:txBody>
+          </p:sp>
+        </mc:Fallback>
+      </mc:AlternateContent>
+      <mc:AlternateContent xmlns:mc="http://schemas.openxmlformats.org/markup-compatibility/2006">
+        <mc:Choice xmlns:a14="http://schemas.microsoft.com/office/drawing/2010/main" Requires="a14">
+          <p:sp>
+            <p:nvSpPr>
+              <p:cNvPr id="3" name="TextBox 2">
+                <a:extLst>
+                  <a:ext uri="{FF2B5EF4-FFF2-40B4-BE49-F238E27FC236}">
+                    <a16:creationId xmlns:a16="http://schemas.microsoft.com/office/drawing/2014/main" id="{FE754024-2361-4C80-B93A-511E13AEBBDB}"/>
+                  </a:ext>
+                </a:extLst>
+              </p:cNvPr>
+              <p:cNvSpPr txBox="1"/>
+              <p:nvPr/>
+            </p:nvSpPr>
+            <p:spPr>
+              <a:xfrm>
+                <a:off x="3693531" y="2313898"/>
+                <a:ext cx="1162875" cy="374526"/>
+              </a:xfrm>
+              <a:prstGeom prst="rect">
+                <a:avLst/>
+              </a:prstGeom>
+              <a:noFill/>
+            </p:spPr>
+            <p:txBody>
+              <a:bodyPr wrap="square" rtlCol="0">
+                <a:spAutoFit/>
+              </a:bodyPr>
+              <a:lstStyle/>
+              <a:p>
+                <a:pPr/>
+                <a14:m>
+                  <m:oMathPara xmlns:m="http://schemas.openxmlformats.org/officeDocument/2006/math">
+                    <m:oMathParaPr>
+                      <m:jc m:val="centerGroup"/>
+                    </m:oMathParaPr>
+                    <m:oMath xmlns:m="http://schemas.openxmlformats.org/officeDocument/2006/math">
+                      <m:r>
+                        <a:rPr lang="en-US" altLang="ko-KR" i="1">
+                          <a:latin typeface="Cambria Math" panose="02040503050406030204" pitchFamily="18" charset="0"/>
+                        </a:rPr>
+                        <m:t>𝐷</m:t>
+                      </m:r>
+                      <m:r>
+                        <a:rPr lang="en-US" altLang="ko-KR" i="1">
+                          <a:latin typeface="Cambria Math" panose="02040503050406030204" pitchFamily="18" charset="0"/>
+                        </a:rPr>
+                        <m:t>×</m:t>
+                      </m:r>
+                      <m:r>
+                        <a:rPr lang="en-US" altLang="ko-KR" i="1">
+                          <a:latin typeface="Cambria Math" panose="02040503050406030204" pitchFamily="18" charset="0"/>
+                        </a:rPr>
+                        <m:t>𝑑𝑖𝑚</m:t>
+                      </m:r>
+                    </m:oMath>
+                  </m:oMathPara>
+                </a14:m>
+                <a:endParaRPr lang="ko-KR" altLang="en-US" dirty="0"/>
+              </a:p>
+            </p:txBody>
+          </p:sp>
+        </mc:Choice>
+        <mc:Fallback>
+          <p:sp>
+            <p:nvSpPr>
+              <p:cNvPr id="3" name="TextBox 2">
+                <a:extLst>
+                  <a:ext uri="{FF2B5EF4-FFF2-40B4-BE49-F238E27FC236}">
+                    <a16:creationId xmlns:a16="http://schemas.microsoft.com/office/drawing/2014/main" id="{FE754024-2361-4C80-B93A-511E13AEBBDB}"/>
+                  </a:ext>
+                </a:extLst>
+              </p:cNvPr>
+              <p:cNvSpPr txBox="1">
+                <a:spLocks noRot="1" noChangeAspect="1" noMove="1" noResize="1" noEditPoints="1" noAdjustHandles="1" noChangeArrowheads="1" noChangeShapeType="1" noTextEdit="1"/>
+              </p:cNvSpPr>
+              <p:nvPr/>
+            </p:nvSpPr>
+            <p:spPr>
+              <a:xfrm>
+                <a:off x="3693531" y="2313898"/>
+                <a:ext cx="1162875" cy="374526"/>
+              </a:xfrm>
+              <a:prstGeom prst="rect">
+                <a:avLst/>
+              </a:prstGeom>
+              <a:blipFill>
+                <a:blip r:embed="rId6"/>
+                <a:stretch>
+                  <a:fillRect/>
+                </a:stretch>
+              </a:blipFill>
+            </p:spPr>
+            <p:txBody>
+              <a:bodyPr/>
+              <a:lstStyle/>
+              <a:p>
+                <a:r>
+                  <a:rPr lang="ko-KR" altLang="en-US">
+                    <a:noFill/>
+                  </a:rPr>
+                  <a:t> </a:t>
+                </a:r>
+              </a:p>
+            </p:txBody>
+          </p:sp>
+        </mc:Fallback>
+      </mc:AlternateContent>
+      <mc:AlternateContent xmlns:mc="http://schemas.openxmlformats.org/markup-compatibility/2006">
+        <mc:Choice xmlns:a14="http://schemas.microsoft.com/office/drawing/2010/main" Requires="a14">
+          <p:sp>
+            <p:nvSpPr>
+              <p:cNvPr id="19" name="TextBox 18">
+                <a:extLst>
+                  <a:ext uri="{FF2B5EF4-FFF2-40B4-BE49-F238E27FC236}">
+                    <a16:creationId xmlns:a16="http://schemas.microsoft.com/office/drawing/2014/main" id="{DCCEA3ED-90FC-4A96-A3C1-96BF40FCCB09}"/>
+                  </a:ext>
+                </a:extLst>
+              </p:cNvPr>
+              <p:cNvSpPr txBox="1"/>
+              <p:nvPr/>
+            </p:nvSpPr>
+            <p:spPr>
+              <a:xfrm>
+                <a:off x="5437376" y="1480485"/>
+                <a:ext cx="1145132" cy="369332"/>
+              </a:xfrm>
+              <a:prstGeom prst="rect">
+                <a:avLst/>
+              </a:prstGeom>
+              <a:noFill/>
+            </p:spPr>
+            <p:txBody>
+              <a:bodyPr wrap="square" rtlCol="0">
+                <a:spAutoFit/>
+              </a:bodyPr>
+              <a:lstStyle/>
+              <a:p>
+                <a14:m>
+                  <m:oMathPara xmlns:m="http://schemas.openxmlformats.org/officeDocument/2006/math">
+                    <m:oMathParaPr>
+                      <m:jc m:val="centerGroup"/>
+                    </m:oMathParaPr>
+                    <m:oMath xmlns:m="http://schemas.openxmlformats.org/officeDocument/2006/math">
+                      <m:r>
+                        <a:rPr lang="en-US" altLang="ko-KR" b="0" i="1" smtClean="0">
+                          <a:latin typeface="Cambria Math" panose="02040503050406030204" pitchFamily="18" charset="0"/>
+                        </a:rPr>
+                        <m:t>1×</m:t>
+                      </m:r>
+                      <m:r>
+                        <a:rPr lang="en-US" altLang="ko-KR" b="0" i="1" smtClean="0">
+                          <a:latin typeface="Cambria Math" panose="02040503050406030204" pitchFamily="18" charset="0"/>
+                        </a:rPr>
+                        <m:t>𝑑𝑖𝑚</m:t>
+                      </m:r>
+                    </m:oMath>
+                  </m:oMathPara>
+                </a14:m>
+                <a:endParaRPr lang="ko-KR" altLang="en-US" dirty="0"/>
+              </a:p>
+            </p:txBody>
+          </p:sp>
+        </mc:Choice>
+        <mc:Fallback>
+          <p:sp>
+            <p:nvSpPr>
+              <p:cNvPr id="19" name="TextBox 18">
+                <a:extLst>
+                  <a:ext uri="{FF2B5EF4-FFF2-40B4-BE49-F238E27FC236}">
+                    <a16:creationId xmlns:a16="http://schemas.microsoft.com/office/drawing/2014/main" id="{DCCEA3ED-90FC-4A96-A3C1-96BF40FCCB09}"/>
+                  </a:ext>
+                </a:extLst>
+              </p:cNvPr>
+              <p:cNvSpPr txBox="1">
+                <a:spLocks noRot="1" noChangeAspect="1" noMove="1" noResize="1" noEditPoints="1" noAdjustHandles="1" noChangeArrowheads="1" noChangeShapeType="1" noTextEdit="1"/>
+              </p:cNvSpPr>
+              <p:nvPr/>
+            </p:nvSpPr>
+            <p:spPr>
+              <a:xfrm>
+                <a:off x="5437376" y="1480485"/>
+                <a:ext cx="1145132" cy="369332"/>
+              </a:xfrm>
+              <a:prstGeom prst="rect">
+                <a:avLst/>
+              </a:prstGeom>
+              <a:blipFill>
+                <a:blip r:embed="rId7"/>
+                <a:stretch>
+                  <a:fillRect/>
+                </a:stretch>
+              </a:blipFill>
+            </p:spPr>
+            <p:txBody>
+              <a:bodyPr/>
+              <a:lstStyle/>
+              <a:p>
+                <a:r>
+                  <a:rPr lang="ko-KR" altLang="en-US">
+                    <a:noFill/>
+                  </a:rPr>
+                  <a:t> </a:t>
+                </a:r>
+              </a:p>
+            </p:txBody>
+          </p:sp>
+        </mc:Fallback>
+      </mc:AlternateContent>
+      <mc:AlternateContent xmlns:mc="http://schemas.openxmlformats.org/markup-compatibility/2006">
+        <mc:Choice xmlns:a14="http://schemas.microsoft.com/office/drawing/2010/main" Requires="a14">
+          <p:sp>
+            <p:nvSpPr>
+              <p:cNvPr id="23" name="TextBox 22">
+                <a:extLst>
+                  <a:ext uri="{FF2B5EF4-FFF2-40B4-BE49-F238E27FC236}">
+                    <a16:creationId xmlns:a16="http://schemas.microsoft.com/office/drawing/2014/main" id="{FA49E679-AC37-499C-81F5-E7C1077B2C79}"/>
+                  </a:ext>
+                </a:extLst>
+              </p:cNvPr>
+              <p:cNvSpPr txBox="1"/>
+              <p:nvPr/>
+            </p:nvSpPr>
+            <p:spPr>
+              <a:xfrm>
+                <a:off x="5716674" y="3189294"/>
+                <a:ext cx="1731668" cy="369332"/>
+              </a:xfrm>
+              <a:prstGeom prst="rect">
+                <a:avLst/>
+              </a:prstGeom>
+              <a:noFill/>
+            </p:spPr>
+            <p:txBody>
+              <a:bodyPr wrap="square" rtlCol="0">
+                <a:spAutoFit/>
+              </a:bodyPr>
+              <a:lstStyle/>
+              <a:p>
+                <a14:m>
+                  <m:oMathPara xmlns:m="http://schemas.openxmlformats.org/officeDocument/2006/math">
+                    <m:oMathParaPr>
+                      <m:jc m:val="centerGroup"/>
+                    </m:oMathParaPr>
+                    <m:oMath xmlns:m="http://schemas.openxmlformats.org/officeDocument/2006/math">
+                      <m:r>
+                        <a:rPr lang="en-US" altLang="ko-KR" b="0" i="1" smtClean="0">
+                          <a:latin typeface="Cambria Math" panose="02040503050406030204" pitchFamily="18" charset="0"/>
+                        </a:rPr>
+                        <m:t>𝐷</m:t>
+                      </m:r>
+                      <m:r>
+                        <a:rPr lang="en-US" altLang="ko-KR" b="0" i="1" smtClean="0">
+                          <a:latin typeface="Cambria Math" panose="02040503050406030204" pitchFamily="18" charset="0"/>
+                        </a:rPr>
+                        <m:t>×</m:t>
+                      </m:r>
+                      <m:r>
+                        <a:rPr lang="en-US" altLang="ko-KR" b="0" i="1" smtClean="0">
+                          <a:latin typeface="Cambria Math" panose="02040503050406030204" pitchFamily="18" charset="0"/>
+                        </a:rPr>
+                        <m:t>𝑑𝑖𝑚</m:t>
+                      </m:r>
+                    </m:oMath>
+                  </m:oMathPara>
+                </a14:m>
+                <a:endParaRPr lang="ko-KR" altLang="en-US" dirty="0"/>
+              </a:p>
+            </p:txBody>
+          </p:sp>
+        </mc:Choice>
+        <mc:Fallback>
+          <p:sp>
+            <p:nvSpPr>
+              <p:cNvPr id="23" name="TextBox 22">
+                <a:extLst>
+                  <a:ext uri="{FF2B5EF4-FFF2-40B4-BE49-F238E27FC236}">
+                    <a16:creationId xmlns:a16="http://schemas.microsoft.com/office/drawing/2014/main" id="{FA49E679-AC37-499C-81F5-E7C1077B2C79}"/>
+                  </a:ext>
+                </a:extLst>
+              </p:cNvPr>
+              <p:cNvSpPr txBox="1">
+                <a:spLocks noRot="1" noChangeAspect="1" noMove="1" noResize="1" noEditPoints="1" noAdjustHandles="1" noChangeArrowheads="1" noChangeShapeType="1" noTextEdit="1"/>
+              </p:cNvSpPr>
+              <p:nvPr/>
+            </p:nvSpPr>
+            <p:spPr>
+              <a:xfrm>
+                <a:off x="5716674" y="3189294"/>
+                <a:ext cx="1731668" cy="369332"/>
+              </a:xfrm>
+              <a:prstGeom prst="rect">
+                <a:avLst/>
+              </a:prstGeom>
+              <a:blipFill>
+                <a:blip r:embed="rId8"/>
+                <a:stretch>
+                  <a:fillRect/>
+                </a:stretch>
+              </a:blipFill>
+            </p:spPr>
+            <p:txBody>
+              <a:bodyPr/>
+              <a:lstStyle/>
+              <a:p>
+                <a:r>
+                  <a:rPr lang="ko-KR" altLang="en-US">
+                    <a:noFill/>
+                  </a:rPr>
+                  <a:t> </a:t>
+                </a:r>
+              </a:p>
+            </p:txBody>
+          </p:sp>
+        </mc:Fallback>
+      </mc:AlternateContent>
+      <mc:AlternateContent xmlns:mc="http://schemas.openxmlformats.org/markup-compatibility/2006">
+        <mc:Choice xmlns:a14="http://schemas.microsoft.com/office/drawing/2010/main" Requires="a14">
+          <p:sp>
+            <p:nvSpPr>
+              <p:cNvPr id="33" name="타원 32">
+                <a:extLst>
+                  <a:ext uri="{FF2B5EF4-FFF2-40B4-BE49-F238E27FC236}">
+                    <a16:creationId xmlns:a16="http://schemas.microsoft.com/office/drawing/2014/main" id="{29809541-3EA0-45D2-8096-FDD4ACB52969}"/>
+                  </a:ext>
+                </a:extLst>
+              </p:cNvPr>
+              <p:cNvSpPr/>
+              <p:nvPr/>
+            </p:nvSpPr>
+            <p:spPr>
+              <a:xfrm>
+                <a:off x="6868970" y="541415"/>
+                <a:ext cx="717755" cy="717755"/>
+              </a:xfrm>
+              <a:prstGeom prst="ellipse">
+                <a:avLst/>
+              </a:prstGeom>
+            </p:spPr>
+            <p:style>
+              <a:lnRef idx="2">
+                <a:schemeClr val="accent1">
+                  <a:shade val="50000"/>
+                </a:schemeClr>
+              </a:lnRef>
+              <a:fillRef idx="1">
+                <a:schemeClr val="accent1"/>
+              </a:fillRef>
+              <a:effectRef idx="0">
+                <a:schemeClr val="accent1"/>
+              </a:effectRef>
+              <a:fontRef idx="minor">
+                <a:schemeClr val="lt1"/>
+              </a:fontRef>
+            </p:style>
+            <p:txBody>
+              <a:bodyPr rtlCol="0" anchor="ctr"/>
+              <a:lstStyle/>
+              <a:p>
+                <a:pPr algn="ctr"/>
+                <a14:m>
+                  <m:oMath xmlns:m="http://schemas.openxmlformats.org/officeDocument/2006/math">
+                    <m:r>
+                      <a:rPr lang="en-US" altLang="ko-KR" sz="1200" b="0" i="1" smtClean="0">
+                        <a:latin typeface="Cambria Math" panose="02040503050406030204" pitchFamily="18" charset="0"/>
+                      </a:rPr>
+                      <m:t>𝑁</m:t>
+                    </m:r>
+                    <m:r>
+                      <a:rPr lang="en-US" altLang="ko-KR" sz="1200" b="0" i="1" smtClean="0">
+                        <a:latin typeface="Cambria Math" panose="02040503050406030204" pitchFamily="18" charset="0"/>
+                      </a:rPr>
+                      <m:t>(0,1)</m:t>
+                    </m:r>
+                  </m:oMath>
+                </a14:m>
+                <a:r>
+                  <a:rPr lang="ko-KR" altLang="en-US" sz="1200" dirty="0"/>
+                  <a:t> </a:t>
+                </a:r>
+              </a:p>
+            </p:txBody>
+          </p:sp>
+        </mc:Choice>
+        <mc:Fallback>
+          <p:sp>
+            <p:nvSpPr>
+              <p:cNvPr id="33" name="타원 32">
+                <a:extLst>
+                  <a:ext uri="{FF2B5EF4-FFF2-40B4-BE49-F238E27FC236}">
+                    <a16:creationId xmlns:a16="http://schemas.microsoft.com/office/drawing/2014/main" id="{29809541-3EA0-45D2-8096-FDD4ACB52969}"/>
+                  </a:ext>
+                </a:extLst>
+              </p:cNvPr>
+              <p:cNvSpPr>
+                <a:spLocks noRot="1" noChangeAspect="1" noMove="1" noResize="1" noEditPoints="1" noAdjustHandles="1" noChangeArrowheads="1" noChangeShapeType="1" noTextEdit="1"/>
+              </p:cNvSpPr>
+              <p:nvPr/>
+            </p:nvSpPr>
+            <p:spPr>
+              <a:xfrm>
+                <a:off x="6868970" y="541415"/>
+                <a:ext cx="717755" cy="717755"/>
+              </a:xfrm>
+              <a:prstGeom prst="ellipse">
+                <a:avLst/>
+              </a:prstGeom>
+              <a:blipFill>
+                <a:blip r:embed="rId9"/>
+                <a:stretch>
+                  <a:fillRect/>
+                </a:stretch>
+              </a:blipFill>
+            </p:spPr>
+            <p:txBody>
+              <a:bodyPr/>
+              <a:lstStyle/>
+              <a:p>
+                <a:r>
+                  <a:rPr lang="ko-KR" altLang="en-US">
+                    <a:noFill/>
+                  </a:rPr>
+                  <a:t> </a:t>
+                </a:r>
+              </a:p>
+            </p:txBody>
+          </p:sp>
+        </mc:Fallback>
+      </mc:AlternateContent>
+      <p:cxnSp>
+        <p:nvCxnSpPr>
+          <p:cNvPr id="35" name="연결선: 꺾임 34">
+            <a:extLst>
+              <a:ext uri="{FF2B5EF4-FFF2-40B4-BE49-F238E27FC236}">
+                <a16:creationId xmlns:a16="http://schemas.microsoft.com/office/drawing/2014/main" id="{6B2B9EB7-D6B8-4F16-B000-F9A2A62D1C3A}"/>
+              </a:ext>
+            </a:extLst>
+          </p:cNvPr>
+          <p:cNvCxnSpPr>
+            <a:cxnSpLocks/>
+            <a:stCxn id="21" idx="3"/>
+            <a:endCxn id="33" idx="0"/>
+          </p:cNvCxnSpPr>
+          <p:nvPr/>
+        </p:nvCxnSpPr>
+        <p:spPr>
+          <a:xfrm flipV="1">
+            <a:off x="6239254" y="541415"/>
+            <a:ext cx="988594" cy="1480296"/>
+          </a:xfrm>
+          <a:prstGeom prst="curvedConnector4">
+            <a:avLst>
+              <a:gd name="adj1" fmla="val 31849"/>
+              <a:gd name="adj2" fmla="val 115443"/>
+            </a:avLst>
+          </a:prstGeom>
+          <a:ln w="38100">
+            <a:tailEnd type="triangle"/>
+          </a:ln>
+        </p:spPr>
+        <p:style>
+          <a:lnRef idx="1">
+            <a:schemeClr val="accent1"/>
+          </a:lnRef>
+          <a:fillRef idx="0">
+            <a:schemeClr val="accent1"/>
+          </a:fillRef>
+          <a:effectRef idx="0">
+            <a:schemeClr val="accent1"/>
+          </a:effectRef>
+          <a:fontRef idx="minor">
+            <a:schemeClr val="tx1"/>
+          </a:fontRef>
+        </p:style>
+      </p:cxnSp>
+      <p:cxnSp>
+        <p:nvCxnSpPr>
+          <p:cNvPr id="48" name="직선 화살표 연결선 47">
+            <a:extLst>
+              <a:ext uri="{FF2B5EF4-FFF2-40B4-BE49-F238E27FC236}">
+                <a16:creationId xmlns:a16="http://schemas.microsoft.com/office/drawing/2014/main" id="{59D63247-BD9D-432C-982B-C5E1D304DAB8}"/>
+              </a:ext>
+            </a:extLst>
+          </p:cNvPr>
+          <p:cNvCxnSpPr>
+            <a:cxnSpLocks/>
+            <a:stCxn id="21" idx="3"/>
+            <a:endCxn id="31" idx="1"/>
+          </p:cNvCxnSpPr>
+          <p:nvPr/>
+        </p:nvCxnSpPr>
+        <p:spPr>
+          <a:xfrm>
+            <a:off x="6239254" y="2021711"/>
+            <a:ext cx="1711687" cy="0"/>
+          </a:xfrm>
+          <a:prstGeom prst="straightConnector1">
+            <a:avLst/>
+          </a:prstGeom>
+          <a:ln w="57150">
+            <a:tailEnd type="triangle"/>
+          </a:ln>
+        </p:spPr>
+        <p:style>
+          <a:lnRef idx="1">
+            <a:schemeClr val="accent1"/>
+          </a:lnRef>
+          <a:fillRef idx="0">
+            <a:schemeClr val="accent1"/>
+          </a:fillRef>
+          <a:effectRef idx="0">
+            <a:schemeClr val="accent1"/>
+          </a:effectRef>
+          <a:fontRef idx="minor">
+            <a:schemeClr val="tx1"/>
+          </a:fontRef>
+        </p:style>
+      </p:cxnSp>
+    </p:spTree>
+    <p:extLst>
+      <p:ext uri="{BB962C8B-B14F-4D97-AF65-F5344CB8AC3E}">
+        <p14:creationId xmlns:p14="http://schemas.microsoft.com/office/powerpoint/2010/main" val="2254479943"/>
+      </p:ext>
+    </p:extLst>
+  </p:cSld>
+  <p:clrMapOvr>
+    <a:masterClrMapping/>
+  </p:clrMapOvr>
+</p:sld>
+</file>
+
+<file path=ppt/slides/slide3.xml><?xml version="1.0" encoding="utf-8"?>
+<p:sld xmlns:a="http://schemas.openxmlformats.org/drawingml/2006/main" xmlns:r="http://schemas.openxmlformats.org/officeDocument/2006/relationships" xmlns:p="http://schemas.openxmlformats.org/presentationml/2006/main">
+  <p:cSld>
+    <p:spTree>
+      <p:nvGrpSpPr>
+        <p:cNvPr id="1" name=""/>
+        <p:cNvGrpSpPr/>
+        <p:nvPr/>
+      </p:nvGrpSpPr>
+      <p:grpSpPr>
+        <a:xfrm>
+          <a:off x="0" y="0"/>
+          <a:ext cx="0" cy="0"/>
+          <a:chOff x="0" y="0"/>
+          <a:chExt cx="0" cy="0"/>
+        </a:xfrm>
+      </p:grpSpPr>
+      <p:sp>
+        <p:nvSpPr>
+          <p:cNvPr id="4" name="사각형: 둥근 모서리 3">
+            <a:extLst>
+              <a:ext uri="{FF2B5EF4-FFF2-40B4-BE49-F238E27FC236}">
+                <a16:creationId xmlns:a16="http://schemas.microsoft.com/office/drawing/2014/main" id="{17DA8EDB-B240-4863-909E-390CB08C4963}"/>
+              </a:ext>
+            </a:extLst>
+          </p:cNvPr>
+          <p:cNvSpPr/>
+          <p:nvPr/>
+        </p:nvSpPr>
+        <p:spPr>
+          <a:xfrm>
+            <a:off x="2013283" y="2651145"/>
+            <a:ext cx="2486527" cy="850231"/>
+          </a:xfrm>
+          <a:prstGeom prst="roundRect">
+            <a:avLst/>
+          </a:prstGeom>
+          <a:solidFill>
+            <a:srgbClr val="FFFF00"/>
+          </a:solidFill>
+        </p:spPr>
+        <p:style>
+          <a:lnRef idx="2">
+            <a:schemeClr val="accent1">
+              <a:shade val="50000"/>
+            </a:schemeClr>
+          </a:lnRef>
+          <a:fillRef idx="1">
+            <a:schemeClr val="accent1"/>
+          </a:fillRef>
+          <a:effectRef idx="0">
+            <a:schemeClr val="accent1"/>
+          </a:effectRef>
+          <a:fontRef idx="minor">
+            <a:schemeClr val="lt1"/>
+          </a:fontRef>
+        </p:style>
+        <p:txBody>
+          <a:bodyPr rtlCol="0" anchor="ctr"/>
+          <a:lstStyle/>
+          <a:p>
+            <a:pPr algn="ctr"/>
+            <a:r>
+              <a:rPr lang="en-US" altLang="ko-KR" sz="3600" b="1" dirty="0">
+                <a:solidFill>
+                  <a:sysClr val="windowText" lastClr="000000"/>
+                </a:solidFill>
+              </a:rPr>
+              <a:t>Encoder</a:t>
+            </a:r>
+            <a:endParaRPr lang="ko-KR" altLang="en-US" sz="3600" b="1" dirty="0">
+              <a:solidFill>
+                <a:sysClr val="windowText" lastClr="000000"/>
+              </a:solidFill>
+            </a:endParaRPr>
+          </a:p>
+        </p:txBody>
+      </p:sp>
+      <p:sp>
+        <p:nvSpPr>
+          <p:cNvPr id="6" name="사각형: 둥근 모서리 5">
+            <a:extLst>
+              <a:ext uri="{FF2B5EF4-FFF2-40B4-BE49-F238E27FC236}">
+                <a16:creationId xmlns:a16="http://schemas.microsoft.com/office/drawing/2014/main" id="{B78AE5EE-7E52-49BE-A76B-B825D3A73C30}"/>
+              </a:ext>
+            </a:extLst>
+          </p:cNvPr>
+          <p:cNvSpPr/>
+          <p:nvPr/>
+        </p:nvSpPr>
+        <p:spPr>
+          <a:xfrm>
+            <a:off x="6689558" y="2651145"/>
+            <a:ext cx="2486527" cy="850231"/>
+          </a:xfrm>
+          <a:prstGeom prst="roundRect">
+            <a:avLst/>
+          </a:prstGeom>
+          <a:solidFill>
+            <a:srgbClr val="FFFF00"/>
+          </a:solidFill>
+        </p:spPr>
+        <p:style>
+          <a:lnRef idx="2">
+            <a:schemeClr val="accent1">
+              <a:shade val="50000"/>
+            </a:schemeClr>
+          </a:lnRef>
+          <a:fillRef idx="1">
+            <a:schemeClr val="accent1"/>
+          </a:fillRef>
+          <a:effectRef idx="0">
+            <a:schemeClr val="accent1"/>
+          </a:effectRef>
+          <a:fontRef idx="minor">
+            <a:schemeClr val="lt1"/>
+          </a:fontRef>
+        </p:style>
+        <p:txBody>
+          <a:bodyPr rtlCol="0" anchor="ctr"/>
+          <a:lstStyle/>
+          <a:p>
+            <a:pPr algn="ctr"/>
+            <a:r>
+              <a:rPr lang="en-US" altLang="ko-KR" sz="3600" b="1" dirty="0">
+                <a:solidFill>
+                  <a:sysClr val="windowText" lastClr="000000"/>
+                </a:solidFill>
+              </a:rPr>
+              <a:t>Decoder</a:t>
+            </a:r>
+            <a:endParaRPr lang="ko-KR" altLang="en-US" sz="3600" b="1" dirty="0">
+              <a:solidFill>
+                <a:sysClr val="windowText" lastClr="000000"/>
+              </a:solidFill>
+            </a:endParaRPr>
+          </a:p>
+        </p:txBody>
+      </p:sp>
+      <p:cxnSp>
+        <p:nvCxnSpPr>
+          <p:cNvPr id="8" name="직선 화살표 연결선 7">
+            <a:extLst>
+              <a:ext uri="{FF2B5EF4-FFF2-40B4-BE49-F238E27FC236}">
+                <a16:creationId xmlns:a16="http://schemas.microsoft.com/office/drawing/2014/main" id="{69F07383-5608-46E7-A155-4F8C7B08B381}"/>
+              </a:ext>
+            </a:extLst>
+          </p:cNvPr>
+          <p:cNvCxnSpPr>
+            <a:cxnSpLocks/>
+            <a:endCxn id="4" idx="2"/>
+          </p:cNvCxnSpPr>
+          <p:nvPr/>
+        </p:nvCxnSpPr>
+        <p:spPr>
+          <a:xfrm flipV="1">
+            <a:off x="3256546" y="3501376"/>
+            <a:ext cx="1" cy="729917"/>
+          </a:xfrm>
+          <a:prstGeom prst="straightConnector1">
+            <a:avLst/>
+          </a:prstGeom>
+          <a:ln w="57150">
+            <a:tailEnd type="triangle"/>
+          </a:ln>
+        </p:spPr>
+        <p:style>
+          <a:lnRef idx="1">
+            <a:schemeClr val="accent1"/>
+          </a:lnRef>
+          <a:fillRef idx="0">
+            <a:schemeClr val="accent1"/>
+          </a:fillRef>
+          <a:effectRef idx="0">
+            <a:schemeClr val="accent1"/>
+          </a:effectRef>
+          <a:fontRef idx="minor">
+            <a:schemeClr val="tx1"/>
+          </a:fontRef>
+        </p:style>
+      </p:cxnSp>
+      <p:cxnSp>
+        <p:nvCxnSpPr>
+          <p:cNvPr id="11" name="직선 화살표 연결선 10">
+            <a:extLst>
+              <a:ext uri="{FF2B5EF4-FFF2-40B4-BE49-F238E27FC236}">
+                <a16:creationId xmlns:a16="http://schemas.microsoft.com/office/drawing/2014/main" id="{208D08F0-B018-4D19-9FED-58CC8A36DE39}"/>
+              </a:ext>
+            </a:extLst>
+          </p:cNvPr>
+          <p:cNvCxnSpPr>
+            <a:cxnSpLocks/>
+            <a:stCxn id="6" idx="0"/>
+          </p:cNvCxnSpPr>
+          <p:nvPr/>
+        </p:nvCxnSpPr>
+        <p:spPr>
+          <a:xfrm flipH="1" flipV="1">
+            <a:off x="7932821" y="1993606"/>
+            <a:ext cx="1" cy="657539"/>
+          </a:xfrm>
+          <a:prstGeom prst="straightConnector1">
+            <a:avLst/>
+          </a:prstGeom>
+          <a:ln w="57150">
+            <a:tailEnd type="triangle"/>
+          </a:ln>
+        </p:spPr>
+        <p:style>
+          <a:lnRef idx="1">
+            <a:schemeClr val="accent1"/>
+          </a:lnRef>
+          <a:fillRef idx="0">
+            <a:schemeClr val="accent1"/>
+          </a:fillRef>
+          <a:effectRef idx="0">
+            <a:schemeClr val="accent1"/>
+          </a:effectRef>
+          <a:fontRef idx="minor">
+            <a:schemeClr val="tx1"/>
+          </a:fontRef>
+        </p:style>
+      </p:cxnSp>
+      <mc:AlternateContent xmlns:mc="http://schemas.openxmlformats.org/markup-compatibility/2006" xmlns:a14="http://schemas.microsoft.com/office/drawing/2010/main">
+        <mc:Choice Requires="a14">
+          <p:sp>
+            <p:nvSpPr>
+              <p:cNvPr id="30" name="TextBox 29">
+                <a:extLst>
+                  <a:ext uri="{FF2B5EF4-FFF2-40B4-BE49-F238E27FC236}">
+                    <a16:creationId xmlns:a16="http://schemas.microsoft.com/office/drawing/2014/main" id="{8908C056-7E5E-4410-83DB-B8CC19D1142B}"/>
+                  </a:ext>
+                </a:extLst>
+              </p:cNvPr>
+              <p:cNvSpPr txBox="1"/>
+              <p:nvPr/>
+            </p:nvSpPr>
+            <p:spPr>
+              <a:xfrm>
+                <a:off x="3047999" y="4231293"/>
+                <a:ext cx="417094" cy="369332"/>
+              </a:xfrm>
+              <a:prstGeom prst="rect">
+                <a:avLst/>
+              </a:prstGeom>
+              <a:noFill/>
+            </p:spPr>
+            <p:txBody>
+              <a:bodyPr wrap="square" rtlCol="0">
+                <a:spAutoFit/>
+              </a:bodyPr>
+              <a:lstStyle/>
+              <a:p>
+                <a:pPr/>
+                <a14:m>
+                  <m:oMathPara xmlns:m="http://schemas.openxmlformats.org/officeDocument/2006/math">
+                    <m:oMathParaPr>
+                      <m:jc m:val="centerGroup"/>
+                    </m:oMathParaPr>
+                    <m:oMath xmlns:m="http://schemas.openxmlformats.org/officeDocument/2006/math">
+                      <m:r>
+                        <a:rPr lang="en-US" altLang="ko-KR" b="1" i="1" smtClean="0">
+                          <a:latin typeface="Cambria Math" panose="02040503050406030204" pitchFamily="18" charset="0"/>
+                        </a:rPr>
+                        <m:t>𝑫</m:t>
+                      </m:r>
+                    </m:oMath>
+                  </m:oMathPara>
+                </a14:m>
+                <a:endParaRPr lang="ko-KR" altLang="en-US" b="1" dirty="0"/>
+              </a:p>
+            </p:txBody>
+          </p:sp>
+        </mc:Choice>
+        <mc:Fallback xmlns="">
+          <p:sp>
+            <p:nvSpPr>
+              <p:cNvPr id="30" name="TextBox 29">
+                <a:extLst>
+                  <a:ext uri="{FF2B5EF4-FFF2-40B4-BE49-F238E27FC236}">
+                    <a16:creationId xmlns:a16="http://schemas.microsoft.com/office/drawing/2014/main" id="{8908C056-7E5E-4410-83DB-B8CC19D1142B}"/>
+                  </a:ext>
+                </a:extLst>
+              </p:cNvPr>
+              <p:cNvSpPr txBox="1">
+                <a:spLocks noRot="1" noChangeAspect="1" noMove="1" noResize="1" noEditPoints="1" noAdjustHandles="1" noChangeArrowheads="1" noChangeShapeType="1" noTextEdit="1"/>
+              </p:cNvSpPr>
+              <p:nvPr/>
+            </p:nvSpPr>
+            <p:spPr>
+              <a:xfrm>
+                <a:off x="3047999" y="4231293"/>
+                <a:ext cx="417094" cy="369332"/>
+              </a:xfrm>
+              <a:prstGeom prst="rect">
+                <a:avLst/>
+              </a:prstGeom>
+              <a:blipFill>
+                <a:blip r:embed="rId2"/>
+                <a:stretch>
+                  <a:fillRect/>
+                </a:stretch>
+              </a:blipFill>
+            </p:spPr>
+            <p:txBody>
+              <a:bodyPr/>
+              <a:lstStyle/>
+              <a:p>
+                <a:r>
+                  <a:rPr lang="ko-KR" altLang="en-US">
+                    <a:noFill/>
+                  </a:rPr>
+                  <a:t> </a:t>
+                </a:r>
+              </a:p>
+            </p:txBody>
+          </p:sp>
+        </mc:Fallback>
+      </mc:AlternateContent>
+      <mc:AlternateContent xmlns:mc="http://schemas.openxmlformats.org/markup-compatibility/2006" xmlns:a14="http://schemas.microsoft.com/office/drawing/2010/main">
+        <mc:Choice Requires="a14">
+          <p:sp>
+            <p:nvSpPr>
+              <p:cNvPr id="31" name="TextBox 30">
+                <a:extLst>
+                  <a:ext uri="{FF2B5EF4-FFF2-40B4-BE49-F238E27FC236}">
+                    <a16:creationId xmlns:a16="http://schemas.microsoft.com/office/drawing/2014/main" id="{E4E5090D-7B55-474B-B60D-3BFD2D2F78F8}"/>
+                  </a:ext>
+                </a:extLst>
+              </p:cNvPr>
+              <p:cNvSpPr txBox="1"/>
+              <p:nvPr/>
+            </p:nvSpPr>
+            <p:spPr>
+              <a:xfrm>
+                <a:off x="7724274" y="1551898"/>
+                <a:ext cx="417094" cy="369332"/>
+              </a:xfrm>
+              <a:prstGeom prst="rect">
+                <a:avLst/>
+              </a:prstGeom>
+              <a:noFill/>
+            </p:spPr>
+            <p:txBody>
+              <a:bodyPr wrap="square" rtlCol="0">
+                <a:spAutoFit/>
+              </a:bodyPr>
+              <a:lstStyle/>
+              <a:p>
+                <a:pPr/>
+                <a14:m>
+                  <m:oMathPara xmlns:m="http://schemas.openxmlformats.org/officeDocument/2006/math">
+                    <m:oMathParaPr>
+                      <m:jc m:val="centerGroup"/>
+                    </m:oMathParaPr>
+                    <m:oMath xmlns:m="http://schemas.openxmlformats.org/officeDocument/2006/math">
+                      <m:r>
+                        <a:rPr lang="en-US" altLang="ko-KR" b="1" i="1" smtClean="0">
+                          <a:latin typeface="Cambria Math" panose="02040503050406030204" pitchFamily="18" charset="0"/>
+                        </a:rPr>
+                        <m:t>𝑺</m:t>
+                      </m:r>
+                    </m:oMath>
+                  </m:oMathPara>
+                </a14:m>
+                <a:endParaRPr lang="ko-KR" altLang="en-US" b="1" dirty="0"/>
+              </a:p>
+            </p:txBody>
+          </p:sp>
+        </mc:Choice>
+        <mc:Fallback xmlns="">
           <p:sp>
             <p:nvSpPr>
               <p:cNvPr id="31" name="TextBox 30">
@@ -4191,10 +6454,171 @@
           </p:sp>
         </mc:Fallback>
       </mc:AlternateContent>
+      <p:cxnSp>
+        <p:nvCxnSpPr>
+          <p:cNvPr id="9" name="직선 화살표 연결선 8">
+            <a:extLst>
+              <a:ext uri="{FF2B5EF4-FFF2-40B4-BE49-F238E27FC236}">
+                <a16:creationId xmlns:a16="http://schemas.microsoft.com/office/drawing/2014/main" id="{1DB27DA4-61CC-45B2-BCEF-4627F1F45D41}"/>
+              </a:ext>
+            </a:extLst>
+          </p:cNvPr>
+          <p:cNvCxnSpPr>
+            <a:cxnSpLocks/>
+            <a:stCxn id="4" idx="3"/>
+            <a:endCxn id="6" idx="1"/>
+          </p:cNvCxnSpPr>
+          <p:nvPr/>
+        </p:nvCxnSpPr>
+        <p:spPr>
+          <a:xfrm>
+            <a:off x="4499810" y="3076261"/>
+            <a:ext cx="2189748" cy="0"/>
+          </a:xfrm>
+          <a:prstGeom prst="straightConnector1">
+            <a:avLst/>
+          </a:prstGeom>
+          <a:ln w="57150">
+            <a:tailEnd type="triangle"/>
+          </a:ln>
+        </p:spPr>
+        <p:style>
+          <a:lnRef idx="1">
+            <a:schemeClr val="accent1"/>
+          </a:lnRef>
+          <a:fillRef idx="0">
+            <a:schemeClr val="accent1"/>
+          </a:fillRef>
+          <a:effectRef idx="0">
+            <a:schemeClr val="accent1"/>
+          </a:effectRef>
+          <a:fontRef idx="minor">
+            <a:schemeClr val="tx1"/>
+          </a:fontRef>
+        </p:style>
+      </p:cxnSp>
+      <p:sp>
+        <p:nvSpPr>
+          <p:cNvPr id="7" name="TextBox 6">
+            <a:extLst>
+              <a:ext uri="{FF2B5EF4-FFF2-40B4-BE49-F238E27FC236}">
+                <a16:creationId xmlns:a16="http://schemas.microsoft.com/office/drawing/2014/main" id="{A3AAE544-EE9F-42AC-8246-AC01273D8D30}"/>
+              </a:ext>
+            </a:extLst>
+          </p:cNvPr>
+          <p:cNvSpPr txBox="1"/>
+          <p:nvPr/>
+        </p:nvSpPr>
+        <p:spPr>
+          <a:xfrm>
+            <a:off x="2898183" y="4463512"/>
+            <a:ext cx="1828800" cy="369332"/>
+          </a:xfrm>
+          <a:prstGeom prst="rect">
+            <a:avLst/>
+          </a:prstGeom>
+          <a:noFill/>
+        </p:spPr>
+        <p:txBody>
+          <a:bodyPr wrap="square" rtlCol="0">
+            <a:spAutoFit/>
+          </a:bodyPr>
+          <a:lstStyle/>
+          <a:p>
+            <a:r>
+              <a:rPr lang="en-US" altLang="ko-KR" dirty="0"/>
+              <a:t>Hello I like you</a:t>
+            </a:r>
+            <a:endParaRPr lang="ko-KR" altLang="en-US" dirty="0"/>
+          </a:p>
+        </p:txBody>
+      </p:sp>
+      <p:sp>
+        <p:nvSpPr>
+          <p:cNvPr id="13" name="TextBox 12">
+            <a:extLst>
+              <a:ext uri="{FF2B5EF4-FFF2-40B4-BE49-F238E27FC236}">
+                <a16:creationId xmlns:a16="http://schemas.microsoft.com/office/drawing/2014/main" id="{7BB81790-E97C-4F61-B4C5-0A498ECF4043}"/>
+              </a:ext>
+            </a:extLst>
+          </p:cNvPr>
+          <p:cNvSpPr txBox="1"/>
+          <p:nvPr/>
+        </p:nvSpPr>
+        <p:spPr>
+          <a:xfrm>
+            <a:off x="5122190" y="3098393"/>
+            <a:ext cx="2069024" cy="369332"/>
+          </a:xfrm>
+          <a:prstGeom prst="rect">
+            <a:avLst/>
+          </a:prstGeom>
+          <a:noFill/>
+        </p:spPr>
+        <p:txBody>
+          <a:bodyPr wrap="square" rtlCol="0">
+            <a:spAutoFit/>
+          </a:bodyPr>
+          <a:lstStyle/>
+          <a:p>
+            <a:r>
+              <a:rPr lang="en-US" altLang="ko-KR" dirty="0"/>
+              <a:t>Hello you like me</a:t>
+            </a:r>
+            <a:endParaRPr lang="ko-KR" altLang="en-US" dirty="0"/>
+          </a:p>
+        </p:txBody>
+      </p:sp>
+      <p:cxnSp>
+        <p:nvCxnSpPr>
+          <p:cNvPr id="14" name="직선 화살표 연결선 13">
+            <a:extLst>
+              <a:ext uri="{FF2B5EF4-FFF2-40B4-BE49-F238E27FC236}">
+                <a16:creationId xmlns:a16="http://schemas.microsoft.com/office/drawing/2014/main" id="{FF2AEB3F-72C1-4FF6-9D26-9CFE8CC053A6}"/>
+              </a:ext>
+            </a:extLst>
+          </p:cNvPr>
+          <p:cNvCxnSpPr>
+            <a:cxnSpLocks/>
+            <a:stCxn id="30" idx="0"/>
+            <a:endCxn id="31" idx="1"/>
+          </p:cNvCxnSpPr>
+          <p:nvPr/>
+        </p:nvCxnSpPr>
+        <p:spPr>
+          <a:xfrm flipV="1">
+            <a:off x="3256546" y="1736564"/>
+            <a:ext cx="4467728" cy="2494729"/>
+          </a:xfrm>
+          <a:prstGeom prst="straightConnector1">
+            <a:avLst/>
+          </a:prstGeom>
+          <a:ln w="57150">
+            <a:solidFill>
+              <a:srgbClr val="FF0000"/>
+            </a:solidFill>
+            <a:tailEnd type="triangle"/>
+          </a:ln>
+        </p:spPr>
+        <p:style>
+          <a:lnRef idx="1">
+            <a:schemeClr val="accent1"/>
+          </a:lnRef>
+          <a:fillRef idx="0">
+            <a:schemeClr val="accent1"/>
+          </a:fillRef>
+          <a:effectRef idx="0">
+            <a:schemeClr val="accent1"/>
+          </a:effectRef>
+          <a:fontRef idx="minor">
+            <a:schemeClr val="tx1"/>
+          </a:fontRef>
+        </p:style>
+      </p:cxnSp>
     </p:spTree>
     <p:extLst>
       <p:ext uri="{BB962C8B-B14F-4D97-AF65-F5344CB8AC3E}">
-        <p14:creationId xmlns:p14="http://schemas.microsoft.com/office/powerpoint/2010/main" val="135600566"/>
+        <p14:creationId xmlns:p14="http://schemas.microsoft.com/office/powerpoint/2010/main" val="1373238772"/>
       </p:ext>
     </p:extLst>
   </p:cSld>

--- a/models.pptx
+++ b/models.pptx
@@ -261,7 +261,7 @@
           <a:p>
             <a:fld id="{1640627F-FB96-4756-840B-710C2C79D46E}" type="datetimeFigureOut">
               <a:rPr lang="ko-KR" altLang="en-US" smtClean="0"/>
-              <a:t>2020-12-16</a:t>
+              <a:t>2020-12-17</a:t>
             </a:fld>
             <a:endParaRPr lang="ko-KR" altLang="en-US"/>
           </a:p>
@@ -459,7 +459,7 @@
           <a:p>
             <a:fld id="{1640627F-FB96-4756-840B-710C2C79D46E}" type="datetimeFigureOut">
               <a:rPr lang="ko-KR" altLang="en-US" smtClean="0"/>
-              <a:t>2020-12-16</a:t>
+              <a:t>2020-12-17</a:t>
             </a:fld>
             <a:endParaRPr lang="ko-KR" altLang="en-US"/>
           </a:p>
@@ -667,7 +667,7 @@
           <a:p>
             <a:fld id="{1640627F-FB96-4756-840B-710C2C79D46E}" type="datetimeFigureOut">
               <a:rPr lang="ko-KR" altLang="en-US" smtClean="0"/>
-              <a:t>2020-12-16</a:t>
+              <a:t>2020-12-17</a:t>
             </a:fld>
             <a:endParaRPr lang="ko-KR" altLang="en-US"/>
           </a:p>
@@ -865,7 +865,7 @@
           <a:p>
             <a:fld id="{1640627F-FB96-4756-840B-710C2C79D46E}" type="datetimeFigureOut">
               <a:rPr lang="ko-KR" altLang="en-US" smtClean="0"/>
-              <a:t>2020-12-16</a:t>
+              <a:t>2020-12-17</a:t>
             </a:fld>
             <a:endParaRPr lang="ko-KR" altLang="en-US"/>
           </a:p>
@@ -1140,7 +1140,7 @@
           <a:p>
             <a:fld id="{1640627F-FB96-4756-840B-710C2C79D46E}" type="datetimeFigureOut">
               <a:rPr lang="ko-KR" altLang="en-US" smtClean="0"/>
-              <a:t>2020-12-16</a:t>
+              <a:t>2020-12-17</a:t>
             </a:fld>
             <a:endParaRPr lang="ko-KR" altLang="en-US"/>
           </a:p>
@@ -1405,7 +1405,7 @@
           <a:p>
             <a:fld id="{1640627F-FB96-4756-840B-710C2C79D46E}" type="datetimeFigureOut">
               <a:rPr lang="ko-KR" altLang="en-US" smtClean="0"/>
-              <a:t>2020-12-16</a:t>
+              <a:t>2020-12-17</a:t>
             </a:fld>
             <a:endParaRPr lang="ko-KR" altLang="en-US"/>
           </a:p>
@@ -1817,7 +1817,7 @@
           <a:p>
             <a:fld id="{1640627F-FB96-4756-840B-710C2C79D46E}" type="datetimeFigureOut">
               <a:rPr lang="ko-KR" altLang="en-US" smtClean="0"/>
-              <a:t>2020-12-16</a:t>
+              <a:t>2020-12-17</a:t>
             </a:fld>
             <a:endParaRPr lang="ko-KR" altLang="en-US"/>
           </a:p>
@@ -1958,7 +1958,7 @@
           <a:p>
             <a:fld id="{1640627F-FB96-4756-840B-710C2C79D46E}" type="datetimeFigureOut">
               <a:rPr lang="ko-KR" altLang="en-US" smtClean="0"/>
-              <a:t>2020-12-16</a:t>
+              <a:t>2020-12-17</a:t>
             </a:fld>
             <a:endParaRPr lang="ko-KR" altLang="en-US"/>
           </a:p>
@@ -2071,7 +2071,7 @@
           <a:p>
             <a:fld id="{1640627F-FB96-4756-840B-710C2C79D46E}" type="datetimeFigureOut">
               <a:rPr lang="ko-KR" altLang="en-US" smtClean="0"/>
-              <a:t>2020-12-16</a:t>
+              <a:t>2020-12-17</a:t>
             </a:fld>
             <a:endParaRPr lang="ko-KR" altLang="en-US"/>
           </a:p>
@@ -2382,7 +2382,7 @@
           <a:p>
             <a:fld id="{1640627F-FB96-4756-840B-710C2C79D46E}" type="datetimeFigureOut">
               <a:rPr lang="ko-KR" altLang="en-US" smtClean="0"/>
-              <a:t>2020-12-16</a:t>
+              <a:t>2020-12-17</a:t>
             </a:fld>
             <a:endParaRPr lang="ko-KR" altLang="en-US"/>
           </a:p>
@@ -2670,7 +2670,7 @@
           <a:p>
             <a:fld id="{1640627F-FB96-4756-840B-710C2C79D46E}" type="datetimeFigureOut">
               <a:rPr lang="ko-KR" altLang="en-US" smtClean="0"/>
-              <a:t>2020-12-16</a:t>
+              <a:t>2020-12-17</a:t>
             </a:fld>
             <a:endParaRPr lang="ko-KR" altLang="en-US"/>
           </a:p>
@@ -2911,7 +2911,7 @@
           <a:p>
             <a:fld id="{1640627F-FB96-4756-840B-710C2C79D46E}" type="datetimeFigureOut">
               <a:rPr lang="ko-KR" altLang="en-US" smtClean="0"/>
-              <a:t>2020-12-16</a:t>
+              <a:t>2020-12-17</a:t>
             </a:fld>
             <a:endParaRPr lang="ko-KR" altLang="en-US"/>
           </a:p>
@@ -3577,8 +3577,8 @@
           </a:fontRef>
         </p:style>
       </p:cxnSp>
-      <mc:AlternateContent xmlns:mc="http://schemas.openxmlformats.org/markup-compatibility/2006">
-        <mc:Choice xmlns:a14="http://schemas.microsoft.com/office/drawing/2010/main" Requires="a14">
+      <mc:AlternateContent xmlns:mc="http://schemas.openxmlformats.org/markup-compatibility/2006" xmlns:a14="http://schemas.microsoft.com/office/drawing/2010/main">
+        <mc:Choice Requires="a14">
           <p:sp>
             <p:nvSpPr>
               <p:cNvPr id="15" name="TextBox 14">
@@ -3628,7 +3628,7 @@
             </p:txBody>
           </p:sp>
         </mc:Choice>
-        <mc:Fallback>
+        <mc:Fallback xmlns="">
           <p:sp>
             <p:nvSpPr>
               <p:cNvPr id="15" name="TextBox 14">
@@ -3673,8 +3673,8 @@
           </p:sp>
         </mc:Fallback>
       </mc:AlternateContent>
-      <mc:AlternateContent xmlns:mc="http://schemas.openxmlformats.org/markup-compatibility/2006">
-        <mc:Choice xmlns:a14="http://schemas.microsoft.com/office/drawing/2010/main" Requires="a14">
+      <mc:AlternateContent xmlns:mc="http://schemas.openxmlformats.org/markup-compatibility/2006" xmlns:a14="http://schemas.microsoft.com/office/drawing/2010/main">
+        <mc:Choice Requires="a14">
           <p:sp>
             <p:nvSpPr>
               <p:cNvPr id="16" name="TextBox 15">
@@ -3724,7 +3724,7 @@
             </p:txBody>
           </p:sp>
         </mc:Choice>
-        <mc:Fallback>
+        <mc:Fallback xmlns="">
           <p:sp>
             <p:nvSpPr>
               <p:cNvPr id="16" name="TextBox 15">
@@ -3811,8 +3811,8 @@
           </a:fontRef>
         </p:style>
       </p:cxnSp>
-      <mc:AlternateContent xmlns:mc="http://schemas.openxmlformats.org/markup-compatibility/2006">
-        <mc:Choice xmlns:a14="http://schemas.microsoft.com/office/drawing/2010/main" Requires="a14">
+      <mc:AlternateContent xmlns:mc="http://schemas.openxmlformats.org/markup-compatibility/2006" xmlns:a14="http://schemas.microsoft.com/office/drawing/2010/main">
+        <mc:Choice Requires="a14">
           <p:sp>
             <p:nvSpPr>
               <p:cNvPr id="21" name="TextBox 20">
@@ -3862,7 +3862,7 @@
             </p:txBody>
           </p:sp>
         </mc:Choice>
-        <mc:Fallback>
+        <mc:Fallback xmlns="">
           <p:sp>
             <p:nvSpPr>
               <p:cNvPr id="21" name="TextBox 20">
@@ -3993,8 +3993,8 @@
           </a:fontRef>
         </p:style>
       </p:cxnSp>
-      <mc:AlternateContent xmlns:mc="http://schemas.openxmlformats.org/markup-compatibility/2006">
-        <mc:Choice xmlns:a14="http://schemas.microsoft.com/office/drawing/2010/main" Requires="a14">
+      <mc:AlternateContent xmlns:mc="http://schemas.openxmlformats.org/markup-compatibility/2006" xmlns:a14="http://schemas.microsoft.com/office/drawing/2010/main">
+        <mc:Choice Requires="a14">
           <p:sp>
             <p:nvSpPr>
               <p:cNvPr id="30" name="TextBox 29">
@@ -4044,7 +4044,7 @@
             </p:txBody>
           </p:sp>
         </mc:Choice>
-        <mc:Fallback>
+        <mc:Fallback xmlns="">
           <p:sp>
             <p:nvSpPr>
               <p:cNvPr id="30" name="TextBox 29">
@@ -4089,8 +4089,8 @@
           </p:sp>
         </mc:Fallback>
       </mc:AlternateContent>
-      <mc:AlternateContent xmlns:mc="http://schemas.openxmlformats.org/markup-compatibility/2006">
-        <mc:Choice xmlns:a14="http://schemas.microsoft.com/office/drawing/2010/main" Requires="a14">
+      <mc:AlternateContent xmlns:mc="http://schemas.openxmlformats.org/markup-compatibility/2006" xmlns:a14="http://schemas.microsoft.com/office/drawing/2010/main">
+        <mc:Choice Requires="a14">
           <p:sp>
             <p:nvSpPr>
               <p:cNvPr id="31" name="TextBox 30">
@@ -4140,7 +4140,7 @@
             </p:txBody>
           </p:sp>
         </mc:Choice>
-        <mc:Fallback>
+        <mc:Fallback xmlns="">
           <p:sp>
             <p:nvSpPr>
               <p:cNvPr id="31" name="TextBox 30">
@@ -4185,8 +4185,8 @@
           </p:sp>
         </mc:Fallback>
       </mc:AlternateContent>
-      <mc:AlternateContent xmlns:mc="http://schemas.openxmlformats.org/markup-compatibility/2006">
-        <mc:Choice xmlns:a14="http://schemas.microsoft.com/office/drawing/2010/main" Requires="a14">
+      <mc:AlternateContent xmlns:mc="http://schemas.openxmlformats.org/markup-compatibility/2006" xmlns:a14="http://schemas.microsoft.com/office/drawing/2010/main">
+        <mc:Choice Requires="a14">
           <p:sp>
             <p:nvSpPr>
               <p:cNvPr id="3" name="TextBox 2">
@@ -4248,7 +4248,7 @@
             </p:txBody>
           </p:sp>
         </mc:Choice>
-        <mc:Fallback>
+        <mc:Fallback xmlns="">
           <p:sp>
             <p:nvSpPr>
               <p:cNvPr id="3" name="TextBox 2">
@@ -4293,8 +4293,8 @@
           </p:sp>
         </mc:Fallback>
       </mc:AlternateContent>
-      <mc:AlternateContent xmlns:mc="http://schemas.openxmlformats.org/markup-compatibility/2006">
-        <mc:Choice xmlns:a14="http://schemas.microsoft.com/office/drawing/2010/main" Requires="a14">
+      <mc:AlternateContent xmlns:mc="http://schemas.openxmlformats.org/markup-compatibility/2006" xmlns:a14="http://schemas.microsoft.com/office/drawing/2010/main">
+        <mc:Choice Requires="a14">
           <p:sp>
             <p:nvSpPr>
               <p:cNvPr id="18" name="TextBox 17">
@@ -4323,6 +4323,7 @@
               </a:bodyPr>
               <a:lstStyle/>
               <a:p>
+                <a:pPr/>
                 <a14:m>
                   <m:oMathPara xmlns:m="http://schemas.openxmlformats.org/officeDocument/2006/math">
                     <m:oMathParaPr>
@@ -4355,7 +4356,7 @@
             </p:txBody>
           </p:sp>
         </mc:Choice>
-        <mc:Fallback>
+        <mc:Fallback xmlns="">
           <p:sp>
             <p:nvSpPr>
               <p:cNvPr id="18" name="TextBox 17">
@@ -4400,8 +4401,8 @@
           </p:sp>
         </mc:Fallback>
       </mc:AlternateContent>
-      <mc:AlternateContent xmlns:mc="http://schemas.openxmlformats.org/markup-compatibility/2006">
-        <mc:Choice xmlns:a14="http://schemas.microsoft.com/office/drawing/2010/main" Requires="a14">
+      <mc:AlternateContent xmlns:mc="http://schemas.openxmlformats.org/markup-compatibility/2006" xmlns:a14="http://schemas.microsoft.com/office/drawing/2010/main">
+        <mc:Choice Requires="a14">
           <p:sp>
             <p:nvSpPr>
               <p:cNvPr id="19" name="TextBox 18">
@@ -4430,6 +4431,7 @@
               </a:bodyPr>
               <a:lstStyle/>
               <a:p>
+                <a:pPr/>
                 <a14:m>
                   <m:oMathPara xmlns:m="http://schemas.openxmlformats.org/officeDocument/2006/math">
                     <m:oMathParaPr>
@@ -4456,7 +4458,7 @@
             </p:txBody>
           </p:sp>
         </mc:Choice>
-        <mc:Fallback>
+        <mc:Fallback xmlns="">
           <p:sp>
             <p:nvSpPr>
               <p:cNvPr id="19" name="TextBox 18">
@@ -4531,35 +4533,19 @@
               </a:bodyPr>
               <a:lstStyle/>
               <a:p>
+                <a:pPr/>
                 <a14:m>
                   <m:oMathPara xmlns:m="http://schemas.openxmlformats.org/officeDocument/2006/math">
                     <m:oMathParaPr>
                       <m:jc m:val="centerGroup"/>
                     </m:oMathParaPr>
                     <m:oMath xmlns:m="http://schemas.openxmlformats.org/officeDocument/2006/math">
-                      <m:d>
-                        <m:dPr>
-                          <m:ctrlPr>
-                            <a:rPr lang="en-US" altLang="ko-KR" b="0" i="1" smtClean="0">
-                              <a:latin typeface="Cambria Math" panose="02040503050406030204" pitchFamily="18" charset="0"/>
-                            </a:rPr>
-                          </m:ctrlPr>
-                        </m:dPr>
-                        <m:e>
-                          <m:r>
-                            <a:rPr lang="en-US" altLang="ko-KR" b="0" i="1" smtClean="0">
-                              <a:latin typeface="Cambria Math" panose="02040503050406030204" pitchFamily="18" charset="0"/>
-                            </a:rPr>
-                            <m:t>𝐷</m:t>
-                          </m:r>
-                          <m:r>
-                            <a:rPr lang="en-US" altLang="ko-KR" b="0" i="1" smtClean="0">
-                              <a:latin typeface="Cambria Math" panose="02040503050406030204" pitchFamily="18" charset="0"/>
-                            </a:rPr>
-                            <m:t>+1</m:t>
-                          </m:r>
-                        </m:e>
-                      </m:d>
+                      <m:r>
+                        <a:rPr lang="en-US" altLang="ko-KR" b="0" i="1" smtClean="0">
+                          <a:latin typeface="Cambria Math" panose="02040503050406030204" pitchFamily="18" charset="0"/>
+                        </a:rPr>
+                        <m:t>𝐷</m:t>
+                      </m:r>
                       <m:r>
                         <a:rPr lang="en-US" altLang="ko-KR" b="0" i="1" smtClean="0">
                           <a:latin typeface="Cambria Math" panose="02040503050406030204" pitchFamily="18" charset="0"/>
@@ -4625,8 +4611,8 @@
           </p:sp>
         </mc:Fallback>
       </mc:AlternateContent>
-      <mc:AlternateContent xmlns:mc="http://schemas.openxmlformats.org/markup-compatibility/2006">
-        <mc:Choice xmlns:a14="http://schemas.microsoft.com/office/drawing/2010/main" Requires="a14">
+      <mc:AlternateContent xmlns:mc="http://schemas.openxmlformats.org/markup-compatibility/2006" xmlns:a14="http://schemas.microsoft.com/office/drawing/2010/main">
+        <mc:Choice Requires="a14">
           <p:sp>
             <p:nvSpPr>
               <p:cNvPr id="33" name="타원 32">
@@ -4693,7 +4679,7 @@
             </p:txBody>
           </p:sp>
         </mc:Choice>
-        <mc:Fallback>
+        <mc:Fallback xmlns="">
           <p:sp>
             <p:nvSpPr>
               <p:cNvPr id="33" name="타원 32">
@@ -4763,6 +4749,139 @@
             <a:avLst/>
           </a:prstGeom>
           <a:ln w="38100">
+            <a:tailEnd type="triangle"/>
+          </a:ln>
+        </p:spPr>
+        <p:style>
+          <a:lnRef idx="1">
+            <a:schemeClr val="accent1"/>
+          </a:lnRef>
+          <a:fillRef idx="0">
+            <a:schemeClr val="accent1"/>
+          </a:fillRef>
+          <a:effectRef idx="0">
+            <a:schemeClr val="accent1"/>
+          </a:effectRef>
+          <a:fontRef idx="minor">
+            <a:schemeClr val="tx1"/>
+          </a:fontRef>
+        </p:style>
+      </p:cxnSp>
+      <p:sp>
+        <p:nvSpPr>
+          <p:cNvPr id="2" name="타원 1">
+            <a:extLst>
+              <a:ext uri="{FF2B5EF4-FFF2-40B4-BE49-F238E27FC236}">
+                <a16:creationId xmlns:a16="http://schemas.microsoft.com/office/drawing/2014/main" id="{2348897B-BA89-49B7-9619-FEDD21DA8C62}"/>
+              </a:ext>
+            </a:extLst>
+          </p:cNvPr>
+          <p:cNvSpPr/>
+          <p:nvPr/>
+        </p:nvSpPr>
+        <p:spPr>
+          <a:xfrm>
+            <a:off x="6294112" y="2757243"/>
+            <a:ext cx="568204" cy="513348"/>
+          </a:xfrm>
+          <a:prstGeom prst="ellipse">
+            <a:avLst/>
+          </a:prstGeom>
+        </p:spPr>
+        <p:style>
+          <a:lnRef idx="2">
+            <a:schemeClr val="accent2">
+              <a:shade val="50000"/>
+            </a:schemeClr>
+          </a:lnRef>
+          <a:fillRef idx="1">
+            <a:schemeClr val="accent2"/>
+          </a:fillRef>
+          <a:effectRef idx="0">
+            <a:schemeClr val="accent2"/>
+          </a:effectRef>
+          <a:fontRef idx="minor">
+            <a:schemeClr val="lt1"/>
+          </a:fontRef>
+        </p:style>
+        <p:txBody>
+          <a:bodyPr rtlCol="0" anchor="ctr"/>
+          <a:lstStyle/>
+          <a:p>
+            <a:pPr algn="ctr"/>
+            <a:r>
+              <a:rPr lang="en-US" altLang="ko-KR" sz="4000" b="1" dirty="0"/>
+              <a:t>+</a:t>
+            </a:r>
+            <a:endParaRPr lang="ko-KR" altLang="en-US" sz="4000" b="1" dirty="0"/>
+          </a:p>
+        </p:txBody>
+      </p:sp>
+      <p:sp>
+        <p:nvSpPr>
+          <p:cNvPr id="5" name="TextBox 4">
+            <a:extLst>
+              <a:ext uri="{FF2B5EF4-FFF2-40B4-BE49-F238E27FC236}">
+                <a16:creationId xmlns:a16="http://schemas.microsoft.com/office/drawing/2014/main" id="{0F569632-7BE9-4091-B871-AF98952DA6A7}"/>
+              </a:ext>
+            </a:extLst>
+          </p:cNvPr>
+          <p:cNvSpPr txBox="1"/>
+          <p:nvPr/>
+        </p:nvSpPr>
+        <p:spPr>
+          <a:xfrm>
+            <a:off x="6096000" y="1373501"/>
+            <a:ext cx="1900550" cy="400110"/>
+          </a:xfrm>
+          <a:prstGeom prst="rect">
+            <a:avLst/>
+          </a:prstGeom>
+          <a:noFill/>
+        </p:spPr>
+        <p:txBody>
+          <a:bodyPr wrap="square" rtlCol="0">
+            <a:spAutoFit/>
+          </a:bodyPr>
+          <a:lstStyle/>
+          <a:p>
+            <a:r>
+              <a:rPr lang="en-US" altLang="ko-KR" sz="2000" b="1" dirty="0" err="1"/>
+              <a:t>BroadCasting</a:t>
+            </a:r>
+            <a:endParaRPr lang="ko-KR" altLang="en-US" sz="2000" b="1" dirty="0"/>
+          </a:p>
+        </p:txBody>
+      </p:sp>
+      <p:cxnSp>
+        <p:nvCxnSpPr>
+          <p:cNvPr id="24" name="연결선: 꺾임 34">
+            <a:extLst>
+              <a:ext uri="{FF2B5EF4-FFF2-40B4-BE49-F238E27FC236}">
+                <a16:creationId xmlns:a16="http://schemas.microsoft.com/office/drawing/2014/main" id="{A94F8138-B70F-42CC-B238-B0179D3A8081}"/>
+              </a:ext>
+            </a:extLst>
+          </p:cNvPr>
+          <p:cNvCxnSpPr>
+            <a:cxnSpLocks/>
+            <a:stCxn id="5" idx="3"/>
+            <a:endCxn id="2" idx="7"/>
+          </p:cNvCxnSpPr>
+          <p:nvPr/>
+        </p:nvCxnSpPr>
+        <p:spPr>
+          <a:xfrm flipH="1">
+            <a:off x="6779104" y="1573556"/>
+            <a:ext cx="1217446" cy="1258865"/>
+          </a:xfrm>
+          <a:prstGeom prst="curvedConnector4">
+            <a:avLst>
+              <a:gd name="adj1" fmla="val -18777"/>
+              <a:gd name="adj2" fmla="val 54960"/>
+            </a:avLst>
+          </a:prstGeom>
+          <a:ln w="19050">
+            <a:prstDash val="sysDot"/>
             <a:tailEnd type="triangle"/>
           </a:ln>
         </p:spPr>
@@ -5061,8 +5180,8 @@
           </a:fontRef>
         </p:style>
       </p:cxnSp>
-      <mc:AlternateContent xmlns:mc="http://schemas.openxmlformats.org/markup-compatibility/2006">
-        <mc:Choice xmlns:a14="http://schemas.microsoft.com/office/drawing/2010/main" Requires="a14">
+      <mc:AlternateContent xmlns:mc="http://schemas.openxmlformats.org/markup-compatibility/2006" xmlns:a14="http://schemas.microsoft.com/office/drawing/2010/main">
+        <mc:Choice Requires="a14">
           <p:sp>
             <p:nvSpPr>
               <p:cNvPr id="15" name="TextBox 14">
@@ -5112,7 +5231,7 @@
             </p:txBody>
           </p:sp>
         </mc:Choice>
-        <mc:Fallback>
+        <mc:Fallback xmlns="">
           <p:sp>
             <p:nvSpPr>
               <p:cNvPr id="15" name="TextBox 14">
@@ -5202,8 +5321,8 @@
           </a:fontRef>
         </p:style>
       </p:cxnSp>
-      <mc:AlternateContent xmlns:mc="http://schemas.openxmlformats.org/markup-compatibility/2006">
-        <mc:Choice xmlns:a14="http://schemas.microsoft.com/office/drawing/2010/main" Requires="a14">
+      <mc:AlternateContent xmlns:mc="http://schemas.openxmlformats.org/markup-compatibility/2006" xmlns:a14="http://schemas.microsoft.com/office/drawing/2010/main">
+        <mc:Choice Requires="a14">
           <p:sp>
             <p:nvSpPr>
               <p:cNvPr id="21" name="TextBox 20">
@@ -5253,7 +5372,7 @@
             </p:txBody>
           </p:sp>
         </mc:Choice>
-        <mc:Fallback>
+        <mc:Fallback xmlns="">
           <p:sp>
             <p:nvSpPr>
               <p:cNvPr id="21" name="TextBox 20">
@@ -5298,8 +5417,8 @@
           </p:sp>
         </mc:Fallback>
       </mc:AlternateContent>
-      <mc:AlternateContent xmlns:mc="http://schemas.openxmlformats.org/markup-compatibility/2006">
-        <mc:Choice xmlns:a14="http://schemas.microsoft.com/office/drawing/2010/main" Requires="a14">
+      <mc:AlternateContent xmlns:mc="http://schemas.openxmlformats.org/markup-compatibility/2006" xmlns:a14="http://schemas.microsoft.com/office/drawing/2010/main">
+        <mc:Choice Requires="a14">
           <p:sp>
             <p:nvSpPr>
               <p:cNvPr id="30" name="TextBox 29">
@@ -5349,7 +5468,7 @@
             </p:txBody>
           </p:sp>
         </mc:Choice>
-        <mc:Fallback>
+        <mc:Fallback xmlns="">
           <p:sp>
             <p:nvSpPr>
               <p:cNvPr id="30" name="TextBox 29">
@@ -5394,8 +5513,8 @@
           </p:sp>
         </mc:Fallback>
       </mc:AlternateContent>
-      <mc:AlternateContent xmlns:mc="http://schemas.openxmlformats.org/markup-compatibility/2006">
-        <mc:Choice xmlns:a14="http://schemas.microsoft.com/office/drawing/2010/main" Requires="a14">
+      <mc:AlternateContent xmlns:mc="http://schemas.openxmlformats.org/markup-compatibility/2006" xmlns:a14="http://schemas.microsoft.com/office/drawing/2010/main">
+        <mc:Choice Requires="a14">
           <p:sp>
             <p:nvSpPr>
               <p:cNvPr id="31" name="TextBox 30">
@@ -5463,7 +5582,7 @@
             </p:txBody>
           </p:sp>
         </mc:Choice>
-        <mc:Fallback>
+        <mc:Fallback xmlns="">
           <p:sp>
             <p:nvSpPr>
               <p:cNvPr id="31" name="TextBox 30">
@@ -5508,8 +5627,8 @@
           </p:sp>
         </mc:Fallback>
       </mc:AlternateContent>
-      <mc:AlternateContent xmlns:mc="http://schemas.openxmlformats.org/markup-compatibility/2006">
-        <mc:Choice xmlns:a14="http://schemas.microsoft.com/office/drawing/2010/main" Requires="a14">
+      <mc:AlternateContent xmlns:mc="http://schemas.openxmlformats.org/markup-compatibility/2006" xmlns:a14="http://schemas.microsoft.com/office/drawing/2010/main">
+        <mc:Choice Requires="a14">
           <p:sp>
             <p:nvSpPr>
               <p:cNvPr id="3" name="TextBox 2">
@@ -5571,7 +5690,7 @@
             </p:txBody>
           </p:sp>
         </mc:Choice>
-        <mc:Fallback>
+        <mc:Fallback xmlns="">
           <p:sp>
             <p:nvSpPr>
               <p:cNvPr id="3" name="TextBox 2">
@@ -5616,8 +5735,8 @@
           </p:sp>
         </mc:Fallback>
       </mc:AlternateContent>
-      <mc:AlternateContent xmlns:mc="http://schemas.openxmlformats.org/markup-compatibility/2006">
-        <mc:Choice xmlns:a14="http://schemas.microsoft.com/office/drawing/2010/main" Requires="a14">
+      <mc:AlternateContent xmlns:mc="http://schemas.openxmlformats.org/markup-compatibility/2006" xmlns:a14="http://schemas.microsoft.com/office/drawing/2010/main">
+        <mc:Choice Requires="a14">
           <p:sp>
             <p:nvSpPr>
               <p:cNvPr id="19" name="TextBox 18">
@@ -5646,6 +5765,7 @@
               </a:bodyPr>
               <a:lstStyle/>
               <a:p>
+                <a:pPr/>
                 <a14:m>
                   <m:oMathPara xmlns:m="http://schemas.openxmlformats.org/officeDocument/2006/math">
                     <m:oMathParaPr>
@@ -5672,7 +5792,7 @@
             </p:txBody>
           </p:sp>
         </mc:Choice>
-        <mc:Fallback>
+        <mc:Fallback xmlns="">
           <p:sp>
             <p:nvSpPr>
               <p:cNvPr id="19" name="TextBox 18">
@@ -5717,8 +5837,8 @@
           </p:sp>
         </mc:Fallback>
       </mc:AlternateContent>
-      <mc:AlternateContent xmlns:mc="http://schemas.openxmlformats.org/markup-compatibility/2006">
-        <mc:Choice xmlns:a14="http://schemas.microsoft.com/office/drawing/2010/main" Requires="a14">
+      <mc:AlternateContent xmlns:mc="http://schemas.openxmlformats.org/markup-compatibility/2006" xmlns:a14="http://schemas.microsoft.com/office/drawing/2010/main">
+        <mc:Choice Requires="a14">
           <p:sp>
             <p:nvSpPr>
               <p:cNvPr id="23" name="TextBox 22">
@@ -5747,6 +5867,7 @@
               </a:bodyPr>
               <a:lstStyle/>
               <a:p>
+                <a:pPr/>
                 <a14:m>
                   <m:oMathPara xmlns:m="http://schemas.openxmlformats.org/officeDocument/2006/math">
                     <m:oMathParaPr>
@@ -5779,7 +5900,7 @@
             </p:txBody>
           </p:sp>
         </mc:Choice>
-        <mc:Fallback>
+        <mc:Fallback xmlns="">
           <p:sp>
             <p:nvSpPr>
               <p:cNvPr id="23" name="TextBox 22">
@@ -5824,8 +5945,8 @@
           </p:sp>
         </mc:Fallback>
       </mc:AlternateContent>
-      <mc:AlternateContent xmlns:mc="http://schemas.openxmlformats.org/markup-compatibility/2006">
-        <mc:Choice xmlns:a14="http://schemas.microsoft.com/office/drawing/2010/main" Requires="a14">
+      <mc:AlternateContent xmlns:mc="http://schemas.openxmlformats.org/markup-compatibility/2006" xmlns:a14="http://schemas.microsoft.com/office/drawing/2010/main">
+        <mc:Choice Requires="a14">
           <p:sp>
             <p:nvSpPr>
               <p:cNvPr id="33" name="타원 32">
@@ -5892,7 +6013,7 @@
             </p:txBody>
           </p:sp>
         </mc:Choice>
-        <mc:Fallback>
+        <mc:Fallback xmlns="">
           <p:sp>
             <p:nvSpPr>
               <p:cNvPr id="33" name="타원 32">
